--- a/www/YeastMotifConservationScore_SupportingInfo.pptx
+++ b/www/YeastMotifConservationScore_SupportingInfo.pptx
@@ -5,29 +5,31 @@
     <p:sldMasterId id="2147483648" r:id="rId1"/>
   </p:sldMasterIdLst>
   <p:notesMasterIdLst>
-    <p:notesMasterId r:id="rId22"/>
+    <p:notesMasterId r:id="rId24"/>
   </p:notesMasterIdLst>
   <p:sldIdLst>
     <p:sldId id="256" r:id="rId2"/>
-    <p:sldId id="278" r:id="rId3"/>
-    <p:sldId id="279" r:id="rId4"/>
-    <p:sldId id="261" r:id="rId5"/>
-    <p:sldId id="263" r:id="rId6"/>
-    <p:sldId id="262" r:id="rId7"/>
-    <p:sldId id="264" r:id="rId8"/>
-    <p:sldId id="265" r:id="rId9"/>
-    <p:sldId id="266" r:id="rId10"/>
-    <p:sldId id="267" r:id="rId11"/>
-    <p:sldId id="271" r:id="rId12"/>
-    <p:sldId id="272" r:id="rId13"/>
-    <p:sldId id="273" r:id="rId14"/>
-    <p:sldId id="274" r:id="rId15"/>
-    <p:sldId id="275" r:id="rId16"/>
-    <p:sldId id="268" r:id="rId17"/>
-    <p:sldId id="269" r:id="rId18"/>
-    <p:sldId id="276" r:id="rId19"/>
-    <p:sldId id="277" r:id="rId20"/>
-    <p:sldId id="270" r:id="rId21"/>
+    <p:sldId id="280" r:id="rId3"/>
+    <p:sldId id="281" r:id="rId4"/>
+    <p:sldId id="278" r:id="rId5"/>
+    <p:sldId id="279" r:id="rId6"/>
+    <p:sldId id="261" r:id="rId7"/>
+    <p:sldId id="263" r:id="rId8"/>
+    <p:sldId id="262" r:id="rId9"/>
+    <p:sldId id="264" r:id="rId10"/>
+    <p:sldId id="265" r:id="rId11"/>
+    <p:sldId id="266" r:id="rId12"/>
+    <p:sldId id="267" r:id="rId13"/>
+    <p:sldId id="271" r:id="rId14"/>
+    <p:sldId id="272" r:id="rId15"/>
+    <p:sldId id="273" r:id="rId16"/>
+    <p:sldId id="274" r:id="rId17"/>
+    <p:sldId id="275" r:id="rId18"/>
+    <p:sldId id="268" r:id="rId19"/>
+    <p:sldId id="269" r:id="rId20"/>
+    <p:sldId id="276" r:id="rId21"/>
+    <p:sldId id="277" r:id="rId22"/>
+    <p:sldId id="270" r:id="rId23"/>
   </p:sldIdLst>
   <p:sldSz cx="12192000" cy="6858000"/>
   <p:notesSz cx="6858000" cy="9144000"/>
@@ -227,7 +229,7 @@
           <a:p>
             <a:fld id="{9DF3CFC1-9031-40E9-B3C9-AF0AF92F787E}" type="datetimeFigureOut">
               <a:rPr lang="en-US" smtClean="0"/>
-              <a:t>9/1/2021</a:t>
+              <a:t>9/17/2021</a:t>
             </a:fld>
             <a:endParaRPr lang="en-US"/>
           </a:p>
@@ -592,7 +594,7 @@
           <a:p>
             <a:fld id="{E075D19B-B4D8-4EA5-B7B7-51926A694935}" type="slidenum">
               <a:rPr lang="en-US" smtClean="0"/>
-              <a:t>8</a:t>
+              <a:t>10</a:t>
             </a:fld>
             <a:endParaRPr lang="en-US"/>
           </a:p>
@@ -758,7 +760,7 @@
           <a:p>
             <a:fld id="{47E0E26F-4E95-45E4-9B99-5422EB4BF9F6}" type="datetimeFigureOut">
               <a:rPr lang="en-US" smtClean="0"/>
-              <a:t>9/1/2021</a:t>
+              <a:t>9/17/2021</a:t>
             </a:fld>
             <a:endParaRPr lang="en-US"/>
           </a:p>
@@ -956,7 +958,7 @@
           <a:p>
             <a:fld id="{47E0E26F-4E95-45E4-9B99-5422EB4BF9F6}" type="datetimeFigureOut">
               <a:rPr lang="en-US" smtClean="0"/>
-              <a:t>9/1/2021</a:t>
+              <a:t>9/17/2021</a:t>
             </a:fld>
             <a:endParaRPr lang="en-US"/>
           </a:p>
@@ -1164,7 +1166,7 @@
           <a:p>
             <a:fld id="{47E0E26F-4E95-45E4-9B99-5422EB4BF9F6}" type="datetimeFigureOut">
               <a:rPr lang="en-US" smtClean="0"/>
-              <a:t>9/1/2021</a:t>
+              <a:t>9/17/2021</a:t>
             </a:fld>
             <a:endParaRPr lang="en-US"/>
           </a:p>
@@ -1362,7 +1364,7 @@
           <a:p>
             <a:fld id="{47E0E26F-4E95-45E4-9B99-5422EB4BF9F6}" type="datetimeFigureOut">
               <a:rPr lang="en-US" smtClean="0"/>
-              <a:t>9/1/2021</a:t>
+              <a:t>9/17/2021</a:t>
             </a:fld>
             <a:endParaRPr lang="en-US"/>
           </a:p>
@@ -1637,7 +1639,7 @@
           <a:p>
             <a:fld id="{47E0E26F-4E95-45E4-9B99-5422EB4BF9F6}" type="datetimeFigureOut">
               <a:rPr lang="en-US" smtClean="0"/>
-              <a:t>9/1/2021</a:t>
+              <a:t>9/17/2021</a:t>
             </a:fld>
             <a:endParaRPr lang="en-US"/>
           </a:p>
@@ -1902,7 +1904,7 @@
           <a:p>
             <a:fld id="{47E0E26F-4E95-45E4-9B99-5422EB4BF9F6}" type="datetimeFigureOut">
               <a:rPr lang="en-US" smtClean="0"/>
-              <a:t>9/1/2021</a:t>
+              <a:t>9/17/2021</a:t>
             </a:fld>
             <a:endParaRPr lang="en-US"/>
           </a:p>
@@ -2314,7 +2316,7 @@
           <a:p>
             <a:fld id="{47E0E26F-4E95-45E4-9B99-5422EB4BF9F6}" type="datetimeFigureOut">
               <a:rPr lang="en-US" smtClean="0"/>
-              <a:t>9/1/2021</a:t>
+              <a:t>9/17/2021</a:t>
             </a:fld>
             <a:endParaRPr lang="en-US"/>
           </a:p>
@@ -2455,7 +2457,7 @@
           <a:p>
             <a:fld id="{47E0E26F-4E95-45E4-9B99-5422EB4BF9F6}" type="datetimeFigureOut">
               <a:rPr lang="en-US" smtClean="0"/>
-              <a:t>9/1/2021</a:t>
+              <a:t>9/17/2021</a:t>
             </a:fld>
             <a:endParaRPr lang="en-US"/>
           </a:p>
@@ -2568,7 +2570,7 @@
           <a:p>
             <a:fld id="{47E0E26F-4E95-45E4-9B99-5422EB4BF9F6}" type="datetimeFigureOut">
               <a:rPr lang="en-US" smtClean="0"/>
-              <a:t>9/1/2021</a:t>
+              <a:t>9/17/2021</a:t>
             </a:fld>
             <a:endParaRPr lang="en-US"/>
           </a:p>
@@ -2879,7 +2881,7 @@
           <a:p>
             <a:fld id="{47E0E26F-4E95-45E4-9B99-5422EB4BF9F6}" type="datetimeFigureOut">
               <a:rPr lang="en-US" smtClean="0"/>
-              <a:t>9/1/2021</a:t>
+              <a:t>9/17/2021</a:t>
             </a:fld>
             <a:endParaRPr lang="en-US"/>
           </a:p>
@@ -3167,7 +3169,7 @@
           <a:p>
             <a:fld id="{47E0E26F-4E95-45E4-9B99-5422EB4BF9F6}" type="datetimeFigureOut">
               <a:rPr lang="en-US" smtClean="0"/>
-              <a:t>9/1/2021</a:t>
+              <a:t>9/17/2021</a:t>
             </a:fld>
             <a:endParaRPr lang="en-US"/>
           </a:p>
@@ -3408,7 +3410,7 @@
           <a:p>
             <a:fld id="{47E0E26F-4E95-45E4-9B99-5422EB4BF9F6}" type="datetimeFigureOut">
               <a:rPr lang="en-US" smtClean="0"/>
-              <a:t>9/1/2021</a:t>
+              <a:t>9/17/2021</a:t>
             </a:fld>
             <a:endParaRPr lang="en-US"/>
           </a:p>
@@ -3981,7 +3983,7 @@
         <p:spPr>
           <a:xfrm>
             <a:off x="329782" y="419725"/>
-            <a:ext cx="11077733" cy="646331"/>
+            <a:ext cx="8064709" cy="646331"/>
           </a:xfrm>
           <a:prstGeom prst="rect">
             <a:avLst/>
@@ -3997,15 +3999,7 @@
             <a:pPr algn="l"/>
             <a:r>
               <a:rPr lang="en-US" sz="3600" dirty="0"/>
-              <a:t>Conservation Score – </a:t>
-            </a:r>
-            <a:r>
-              <a:rPr lang="en-US" sz="3600" dirty="0" err="1"/>
-              <a:t>stereochemically</a:t>
-            </a:r>
-            <a:r>
-              <a:rPr lang="en-US" sz="3600" dirty="0"/>
-              <a:t> sensitive entropy</a:t>
+              <a:t>Conservation Score – JSD</a:t>
             </a:r>
           </a:p>
         </p:txBody>
@@ -4025,7 +4019,7 @@
         <p:spPr>
           <a:xfrm>
             <a:off x="579619" y="1122476"/>
-            <a:ext cx="10962807" cy="4832092"/>
+            <a:ext cx="10962807" cy="954107"/>
           </a:xfrm>
           <a:prstGeom prst="rect">
             <a:avLst/>
@@ -4041,83 +4035,54 @@
             <a:pPr algn="l"/>
             <a:r>
               <a:rPr lang="en-US" sz="2800" b="1" dirty="0"/>
-              <a:t>stereochemical entropy:</a:t>
+              <a:t>Jensen–Shannon divergence:</a:t>
             </a:r>
           </a:p>
           <a:p>
             <a:pPr algn="l"/>
             <a:r>
               <a:rPr lang="en-US" sz="2800" dirty="0"/>
-              <a:t>Shannon entropy based on stereochemical </a:t>
-            </a:r>
-            <a:r>
-              <a:rPr lang="en-US" sz="2800" dirty="0" err="1"/>
-              <a:t>aas</a:t>
-            </a:r>
-            <a:r>
-              <a:rPr lang="en-US" sz="2800" dirty="0"/>
-              <a:t> group:</a:t>
-            </a:r>
-          </a:p>
-          <a:p>
-            <a:pPr algn="l"/>
-            <a:endParaRPr lang="en-US" sz="2800" dirty="0"/>
-          </a:p>
-          <a:p>
-            <a:pPr algn="l"/>
-            <a:r>
-              <a:rPr lang="en-US" sz="2800" dirty="0"/>
-              <a:t>VLIM, FWY, ST, NQ, HKR, DE, AG, P, C</a:t>
-            </a:r>
-          </a:p>
-          <a:p>
-            <a:pPr algn="l"/>
-            <a:endParaRPr lang="en-US" sz="2800" b="1" dirty="0"/>
-          </a:p>
-          <a:p>
-            <a:pPr algn="l"/>
-            <a:r>
-              <a:rPr lang="en-US" sz="2800" b="1" dirty="0"/>
-              <a:t>capture diversity with biochemical information integrated</a:t>
-            </a:r>
-          </a:p>
-          <a:p>
-            <a:pPr algn="l"/>
-            <a:endParaRPr lang="en-US" sz="2800" b="1" dirty="0"/>
-          </a:p>
-          <a:p>
-            <a:pPr algn="l"/>
-            <a:r>
-              <a:rPr lang="en-US" sz="2800" b="1" dirty="0"/>
-              <a:t>All (S) = All (T) = All (S/T) = All (V) =1.0</a:t>
-            </a:r>
-          </a:p>
-          <a:p>
-            <a:pPr algn="l"/>
-            <a:endParaRPr lang="en-US" sz="2800" b="1" dirty="0"/>
-          </a:p>
-          <a:p>
-            <a:pPr algn="l"/>
-            <a:r>
-              <a:rPr lang="en-US" sz="2800" b="1" dirty="0"/>
-              <a:t>pure random &gt; 0.0</a:t>
-            </a:r>
-          </a:p>
-          <a:p>
-            <a:pPr algn="l"/>
-            <a:r>
-              <a:rPr lang="en-US" sz="2800" b="1" dirty="0"/>
-              <a:t>equally distributed among stereochemical group = 0.0</a:t>
-            </a:r>
-          </a:p>
-        </p:txBody>
-      </p:sp>
-      <p:sp>
-        <p:nvSpPr>
-          <p:cNvPr id="4" name="TextBox 3">
-            <a:extLst>
-              <a:ext uri="{FF2B5EF4-FFF2-40B4-BE49-F238E27FC236}">
-                <a16:creationId xmlns:a16="http://schemas.microsoft.com/office/drawing/2014/main" id="{1ACEDA3E-7175-4C0A-8CD1-12F0749D73AF}"/>
+              <a:t>measure the similarity between two probability distributions</a:t>
+            </a:r>
+          </a:p>
+        </p:txBody>
+      </p:sp>
+      <p:pic>
+        <p:nvPicPr>
+          <p:cNvPr id="5" name="Picture 4" descr="Text&#10;&#10;Description automatically generated with low confidence">
+            <a:extLst>
+              <a:ext uri="{FF2B5EF4-FFF2-40B4-BE49-F238E27FC236}">
+                <a16:creationId xmlns:a16="http://schemas.microsoft.com/office/drawing/2014/main" id="{3A8DA2A8-93C7-45D6-97CD-6850FDB8BDC4}"/>
+              </a:ext>
+            </a:extLst>
+          </p:cNvPr>
+          <p:cNvPicPr>
+            <a:picLocks noChangeAspect="1"/>
+          </p:cNvPicPr>
+          <p:nvPr/>
+        </p:nvPicPr>
+        <p:blipFill>
+          <a:blip r:embed="rId3"/>
+          <a:stretch>
+            <a:fillRect/>
+          </a:stretch>
+        </p:blipFill>
+        <p:spPr>
+          <a:xfrm>
+            <a:off x="3356038" y="2215147"/>
+            <a:ext cx="5632324" cy="1418211"/>
+          </a:xfrm>
+          <a:prstGeom prst="rect">
+            <a:avLst/>
+          </a:prstGeom>
+        </p:spPr>
+      </p:pic>
+      <p:sp>
+        <p:nvSpPr>
+          <p:cNvPr id="6" name="TextBox 5">
+            <a:extLst>
+              <a:ext uri="{FF2B5EF4-FFF2-40B4-BE49-F238E27FC236}">
+                <a16:creationId xmlns:a16="http://schemas.microsoft.com/office/drawing/2014/main" id="{E99FA76C-C434-4FE0-AE6C-BDB3E95A39BE}"/>
               </a:ext>
             </a:extLst>
           </p:cNvPr>
@@ -4126,8 +4091,8 @@
         </p:nvSpPr>
         <p:spPr>
           <a:xfrm>
-            <a:off x="8159640" y="6211669"/>
-            <a:ext cx="3997380" cy="369332"/>
+            <a:off x="579619" y="3771922"/>
+            <a:ext cx="11367542" cy="1815882"/>
           </a:xfrm>
           <a:prstGeom prst="rect">
             <a:avLst/>
@@ -4142,10 +4107,57 @@
           <a:p>
             <a:pPr algn="l"/>
             <a:r>
+              <a:rPr lang="en-US" sz="2800" dirty="0"/>
+              <a:t>use BLOSUM62 as background distribution </a:t>
+            </a:r>
+          </a:p>
+          <a:p>
+            <a:pPr algn="l"/>
+            <a:endParaRPr lang="en-US" sz="2800" b="1" dirty="0"/>
+          </a:p>
+          <a:p>
+            <a:pPr algn="l"/>
+            <a:r>
+              <a:rPr lang="en-US" sz="2800" b="1" dirty="0"/>
+              <a:t>quantify the similarity between (amino acids among the 1012 strains) and (the background BLOSUM62 distribution)</a:t>
+            </a:r>
+          </a:p>
+        </p:txBody>
+      </p:sp>
+      <p:sp>
+        <p:nvSpPr>
+          <p:cNvPr id="7" name="TextBox 6">
+            <a:extLst>
+              <a:ext uri="{FF2B5EF4-FFF2-40B4-BE49-F238E27FC236}">
+                <a16:creationId xmlns:a16="http://schemas.microsoft.com/office/drawing/2014/main" id="{AE83E6F4-890C-4B8D-9851-29F53399BA48}"/>
+              </a:ext>
+            </a:extLst>
+          </p:cNvPr>
+          <p:cNvSpPr txBox="1"/>
+          <p:nvPr/>
+        </p:nvSpPr>
+        <p:spPr>
+          <a:xfrm>
+            <a:off x="7410135" y="6211669"/>
+            <a:ext cx="4716903" cy="369332"/>
+          </a:xfrm>
+          <a:prstGeom prst="rect">
+            <a:avLst/>
+          </a:prstGeom>
+          <a:noFill/>
+        </p:spPr>
+        <p:txBody>
+          <a:bodyPr wrap="square" rtlCol="0">
+            <a:spAutoFit/>
+          </a:bodyPr>
+          <a:lstStyle/>
+          <a:p>
+            <a:pPr algn="l"/>
+            <a:r>
               <a:rPr lang="en-US" dirty="0">
-                <a:hlinkClick r:id="rId2" tooltip="Persistent link using digital object identifier"/>
+                <a:hlinkClick r:id="rId4"/>
               </a:rPr>
-              <a:t>https://doi.org/10.1006/jmbi.1999.2911</a:t>
+              <a:t>https://doi.org/10.1093/bioinformatics/btm270</a:t>
             </a:r>
             <a:endParaRPr lang="en-US" dirty="0"/>
           </a:p>
@@ -4154,7 +4166,7 @@
     </p:spTree>
     <p:extLst>
       <p:ext uri="{BB962C8B-B14F-4D97-AF65-F5344CB8AC3E}">
-        <p14:creationId xmlns:p14="http://schemas.microsoft.com/office/powerpoint/2010/main" val="4121658573"/>
+        <p14:creationId xmlns:p14="http://schemas.microsoft.com/office/powerpoint/2010/main" val="1538604284"/>
       </p:ext>
     </p:extLst>
   </p:cSld>
@@ -4196,7 +4208,7 @@
         <p:spPr>
           <a:xfrm>
             <a:off x="329782" y="419725"/>
-            <a:ext cx="11077733" cy="646331"/>
+            <a:ext cx="8064709" cy="646331"/>
           </a:xfrm>
           <a:prstGeom prst="rect">
             <a:avLst/>
@@ -4212,7 +4224,7 @@
             <a:pPr algn="l"/>
             <a:r>
               <a:rPr lang="en-US" sz="3600" dirty="0"/>
-              <a:t>Conservation Score – phylogeny</a:t>
+              <a:t>Conservation Score – JSD</a:t>
             </a:r>
           </a:p>
         </p:txBody>
@@ -4232,7 +4244,7 @@
         <p:spPr>
           <a:xfrm>
             <a:off x="579619" y="1122476"/>
-            <a:ext cx="10962807" cy="1815882"/>
+            <a:ext cx="10962807" cy="523220"/>
           </a:xfrm>
           <a:prstGeom prst="rect">
             <a:avLst/>
@@ -4248,119 +4260,17 @@
             <a:pPr algn="l"/>
             <a:r>
               <a:rPr lang="en-US" sz="2800" b="1" dirty="0"/>
-              <a:t>Phylogeny entropy:</a:t>
-            </a:r>
-          </a:p>
-          <a:p>
-            <a:pPr marL="457200" indent="-457200" algn="l">
-              <a:buFont typeface="Arial" panose="020B0604020202020204" pitchFamily="34" charset="0"/>
-              <a:buChar char="•"/>
-            </a:pPr>
-            <a:r>
-              <a:rPr lang="en-US" sz="2800" dirty="0"/>
-              <a:t>based on a pre-built phylogenetic tree</a:t>
-            </a:r>
-          </a:p>
-          <a:p>
-            <a:pPr marL="457200" indent="-457200" algn="l">
-              <a:buFont typeface="Arial" panose="020B0604020202020204" pitchFamily="34" charset="0"/>
-              <a:buChar char="•"/>
-            </a:pPr>
-            <a:r>
-              <a:rPr lang="en-US" sz="2800" dirty="0"/>
-              <a:t>summing Shannon entropies on the groups created by cutting the tree at different nodes</a:t>
-            </a:r>
-          </a:p>
-        </p:txBody>
-      </p:sp>
-      <p:pic>
-        <p:nvPicPr>
-          <p:cNvPr id="6" name="Picture 5" descr="Diagram&#10;&#10;Description automatically generated">
-            <a:extLst>
-              <a:ext uri="{FF2B5EF4-FFF2-40B4-BE49-F238E27FC236}">
-                <a16:creationId xmlns:a16="http://schemas.microsoft.com/office/drawing/2014/main" id="{E7F75B23-F4AB-4C82-96A8-5D85B53E94E4}"/>
-              </a:ext>
-            </a:extLst>
-          </p:cNvPr>
-          <p:cNvPicPr>
-            <a:picLocks noChangeAspect="1"/>
-          </p:cNvPicPr>
-          <p:nvPr/>
-        </p:nvPicPr>
-        <p:blipFill>
-          <a:blip r:embed="rId2"/>
-          <a:stretch>
-            <a:fillRect/>
-          </a:stretch>
-        </p:blipFill>
-        <p:spPr>
-          <a:xfrm>
-            <a:off x="3130796" y="2852003"/>
-            <a:ext cx="4921618" cy="3849370"/>
-          </a:xfrm>
-          <a:prstGeom prst="rect">
-            <a:avLst/>
-          </a:prstGeom>
-        </p:spPr>
-      </p:pic>
-      <p:sp>
-        <p:nvSpPr>
-          <p:cNvPr id="7" name="Rectangle 6">
-            <a:extLst>
-              <a:ext uri="{FF2B5EF4-FFF2-40B4-BE49-F238E27FC236}">
-                <a16:creationId xmlns:a16="http://schemas.microsoft.com/office/drawing/2014/main" id="{0C98DBC0-4A3C-48CE-B927-09F67A4ACF9E}"/>
-              </a:ext>
-            </a:extLst>
-          </p:cNvPr>
-          <p:cNvSpPr/>
-          <p:nvPr/>
-        </p:nvSpPr>
-        <p:spPr>
-          <a:xfrm>
-            <a:off x="3154447" y="2893388"/>
-            <a:ext cx="368242" cy="359478"/>
-          </a:xfrm>
-          <a:prstGeom prst="rect">
-            <a:avLst/>
-          </a:prstGeom>
-          <a:solidFill>
-            <a:schemeClr val="bg1"/>
-          </a:solidFill>
-          <a:ln>
-            <a:noFill/>
-          </a:ln>
-        </p:spPr>
-        <p:style>
-          <a:lnRef idx="2">
-            <a:schemeClr val="accent1">
-              <a:shade val="50000"/>
-            </a:schemeClr>
-          </a:lnRef>
-          <a:fillRef idx="1">
-            <a:schemeClr val="accent1"/>
-          </a:fillRef>
-          <a:effectRef idx="0">
-            <a:schemeClr val="accent1"/>
-          </a:effectRef>
-          <a:fontRef idx="minor">
-            <a:schemeClr val="lt1"/>
-          </a:fontRef>
-        </p:style>
-        <p:txBody>
-          <a:bodyPr rtlCol="0" anchor="ctr"/>
-          <a:lstStyle/>
-          <a:p>
-            <a:pPr algn="ctr"/>
-            <a:endParaRPr lang="en-US"/>
-          </a:p>
-        </p:txBody>
-      </p:sp>
-      <p:sp>
-        <p:nvSpPr>
-          <p:cNvPr id="8" name="TextBox 7">
-            <a:extLst>
-              <a:ext uri="{FF2B5EF4-FFF2-40B4-BE49-F238E27FC236}">
-                <a16:creationId xmlns:a16="http://schemas.microsoft.com/office/drawing/2014/main" id="{60F870AF-61AC-4450-9D53-765F2FCCF248}"/>
+              <a:t>Jensen–Shannon divergence:</a:t>
+            </a:r>
+          </a:p>
+        </p:txBody>
+      </p:sp>
+      <p:sp>
+        <p:nvSpPr>
+          <p:cNvPr id="6" name="TextBox 5">
+            <a:extLst>
+              <a:ext uri="{FF2B5EF4-FFF2-40B4-BE49-F238E27FC236}">
+                <a16:creationId xmlns:a16="http://schemas.microsoft.com/office/drawing/2014/main" id="{12FEDAA0-D166-4AF6-8B19-10F5BFCDB117}"/>
               </a:ext>
             </a:extLst>
           </p:cNvPr>
@@ -4369,8 +4279,8 @@
         </p:nvSpPr>
         <p:spPr>
           <a:xfrm>
-            <a:off x="7989756" y="6488668"/>
-            <a:ext cx="4182255" cy="369332"/>
+            <a:off x="579619" y="2196094"/>
+            <a:ext cx="11232630" cy="3108543"/>
           </a:xfrm>
           <a:prstGeom prst="rect">
             <a:avLst/>
@@ -4385,19 +4295,91 @@
           <a:p>
             <a:pPr algn="l"/>
             <a:r>
-              <a:rPr lang="en-US" dirty="0">
-                <a:hlinkClick r:id="rId3" tooltip="Persistent link using digital object identifier"/>
-              </a:rPr>
-              <a:t>https://doi.org/10.1016/j.jmb.2003.12.078</a:t>
-            </a:r>
-            <a:endParaRPr lang="en-US" dirty="0"/>
+              <a:rPr lang="en-US" sz="2800" b="1" dirty="0"/>
+              <a:t>capture diversity with biology information integrated</a:t>
+            </a:r>
+          </a:p>
+          <a:p>
+            <a:pPr algn="l"/>
+            <a:endParaRPr lang="en-US" sz="2800" b="1" dirty="0"/>
+          </a:p>
+          <a:p>
+            <a:pPr algn="l"/>
+            <a:r>
+              <a:rPr lang="en-US" sz="2800" dirty="0"/>
+              <a:t>fully conserved </a:t>
+            </a:r>
+            <a:r>
+              <a:rPr lang="en-US" sz="2800" b="1" dirty="0"/>
+              <a:t>rare</a:t>
+            </a:r>
+            <a:r>
+              <a:rPr lang="en-US" sz="2800" dirty="0"/>
+              <a:t> </a:t>
+            </a:r>
+            <a:r>
+              <a:rPr lang="en-US" sz="2800" dirty="0" err="1"/>
+              <a:t>aas</a:t>
+            </a:r>
+            <a:r>
+              <a:rPr lang="en-US" sz="2800" dirty="0"/>
+              <a:t> score </a:t>
+            </a:r>
+            <a:r>
+              <a:rPr lang="en-US" sz="2800" b="1" u="sng" dirty="0"/>
+              <a:t>higher</a:t>
+            </a:r>
+            <a:r>
+              <a:rPr lang="en-US" sz="2800" dirty="0"/>
+              <a:t> than that of </a:t>
+            </a:r>
+            <a:r>
+              <a:rPr lang="en-US" sz="2800" b="1" dirty="0"/>
+              <a:t>common</a:t>
+            </a:r>
+            <a:r>
+              <a:rPr lang="en-US" sz="2800" dirty="0"/>
+              <a:t> </a:t>
+            </a:r>
+            <a:r>
+              <a:rPr lang="en-US" sz="2800" dirty="0" err="1"/>
+              <a:t>aas</a:t>
+            </a:r>
+            <a:r>
+              <a:rPr lang="en-US" sz="2800" b="1" dirty="0"/>
+              <a:t>:</a:t>
+            </a:r>
+          </a:p>
+          <a:p>
+            <a:pPr algn="l"/>
+            <a:r>
+              <a:rPr lang="en-US" sz="2800" b="1" dirty="0"/>
+              <a:t>1&gt;All (W) &gt; All (A) &gt; All (L)</a:t>
+            </a:r>
+          </a:p>
+          <a:p>
+            <a:pPr algn="l"/>
+            <a:endParaRPr lang="en-US" sz="2800" b="1" dirty="0"/>
+          </a:p>
+          <a:p>
+            <a:r>
+              <a:rPr lang="en-US" sz="2800" b="1" dirty="0"/>
+              <a:t>pure random &gt; 0.0</a:t>
+            </a:r>
+          </a:p>
+          <a:p>
+            <a:pPr algn="l"/>
+            <a:r>
+              <a:rPr lang="en-US" sz="2800" b="1" dirty="0"/>
+              <a:t>BLOSUM62 background distribution = 0.0</a:t>
+            </a:r>
           </a:p>
         </p:txBody>
       </p:sp>
     </p:spTree>
     <p:extLst>
       <p:ext uri="{BB962C8B-B14F-4D97-AF65-F5344CB8AC3E}">
-        <p14:creationId xmlns:p14="http://schemas.microsoft.com/office/powerpoint/2010/main" val="3787475684"/>
+        <p14:creationId xmlns:p14="http://schemas.microsoft.com/office/powerpoint/2010/main" val="1370230915"/>
       </p:ext>
     </p:extLst>
   </p:cSld>
@@ -4455,7 +4437,15 @@
             <a:pPr algn="l"/>
             <a:r>
               <a:rPr lang="en-US" sz="3600" dirty="0"/>
-              <a:t>Conservation Score – phylogeny</a:t>
+              <a:t>Conservation Score – </a:t>
+            </a:r>
+            <a:r>
+              <a:rPr lang="en-US" sz="3600" dirty="0" err="1"/>
+              <a:t>stereochemically</a:t>
+            </a:r>
+            <a:r>
+              <a:rPr lang="en-US" sz="3600" dirty="0"/>
+              <a:t> sensitive entropy</a:t>
             </a:r>
           </a:p>
         </p:txBody>
@@ -4475,7 +4465,7 @@
         <p:spPr>
           <a:xfrm>
             <a:off x="579619" y="1122476"/>
-            <a:ext cx="10962807" cy="1815882"/>
+            <a:ext cx="10962807" cy="4832092"/>
           </a:xfrm>
           <a:prstGeom prst="rect">
             <a:avLst/>
@@ -4491,117 +4481,120 @@
             <a:pPr algn="l"/>
             <a:r>
               <a:rPr lang="en-US" sz="2800" b="1" dirty="0"/>
-              <a:t>Phylogeny entropy:</a:t>
-            </a:r>
-          </a:p>
-          <a:p>
-            <a:pPr marL="457200" indent="-457200" algn="l">
-              <a:buFont typeface="Arial" panose="020B0604020202020204" pitchFamily="34" charset="0"/>
-              <a:buChar char="•"/>
-            </a:pPr>
+              <a:t>stereochemical entropy:</a:t>
+            </a:r>
+          </a:p>
+          <a:p>
+            <a:pPr algn="l"/>
             <a:r>
               <a:rPr lang="en-US" sz="2800" dirty="0"/>
-              <a:t>based on a pre-built phylogenetic tree</a:t>
-            </a:r>
-          </a:p>
-          <a:p>
-            <a:pPr marL="457200" indent="-457200" algn="l">
-              <a:buFont typeface="Arial" panose="020B0604020202020204" pitchFamily="34" charset="0"/>
-              <a:buChar char="•"/>
-            </a:pPr>
+              <a:t>Shannon entropy based on stereochemical </a:t>
+            </a:r>
+            <a:r>
+              <a:rPr lang="en-US" sz="2800" dirty="0" err="1"/>
+              <a:t>aas</a:t>
+            </a:r>
             <a:r>
               <a:rPr lang="en-US" sz="2800" dirty="0"/>
-              <a:t>summing Shannon entropies on the groups created by cutting the tree at different nodes</a:t>
-            </a:r>
-          </a:p>
-        </p:txBody>
-      </p:sp>
-      <p:pic>
-        <p:nvPicPr>
-          <p:cNvPr id="8" name="Picture 7" descr="Diagram, shape&#10;&#10;Description automatically generated">
-            <a:extLst>
-              <a:ext uri="{FF2B5EF4-FFF2-40B4-BE49-F238E27FC236}">
-                <a16:creationId xmlns:a16="http://schemas.microsoft.com/office/drawing/2014/main" id="{09C16F62-D095-4282-AC26-F13F633BB92B}"/>
-              </a:ext>
-            </a:extLst>
-          </p:cNvPr>
-          <p:cNvPicPr>
-            <a:picLocks noChangeAspect="1"/>
-          </p:cNvPicPr>
+              <a:t> group:</a:t>
+            </a:r>
+          </a:p>
+          <a:p>
+            <a:pPr algn="l"/>
+            <a:endParaRPr lang="en-US" sz="2800" dirty="0"/>
+          </a:p>
+          <a:p>
+            <a:pPr algn="l"/>
+            <a:r>
+              <a:rPr lang="en-US" sz="2800" dirty="0"/>
+              <a:t>VLIM, FWY, ST, NQ, HKR, DE, AG, P, C</a:t>
+            </a:r>
+          </a:p>
+          <a:p>
+            <a:pPr algn="l"/>
+            <a:endParaRPr lang="en-US" sz="2800" b="1" dirty="0"/>
+          </a:p>
+          <a:p>
+            <a:pPr algn="l"/>
+            <a:r>
+              <a:rPr lang="en-US" sz="2800" b="1" dirty="0"/>
+              <a:t>capture diversity with biochemical information integrated</a:t>
+            </a:r>
+          </a:p>
+          <a:p>
+            <a:pPr algn="l"/>
+            <a:endParaRPr lang="en-US" sz="2800" b="1" dirty="0"/>
+          </a:p>
+          <a:p>
+            <a:pPr algn="l"/>
+            <a:r>
+              <a:rPr lang="en-US" sz="2800" b="1" dirty="0"/>
+              <a:t>All (S) = All (T) = All (S/T) = All (V) =1.0</a:t>
+            </a:r>
+          </a:p>
+          <a:p>
+            <a:pPr algn="l"/>
+            <a:endParaRPr lang="en-US" sz="2800" b="1" dirty="0"/>
+          </a:p>
+          <a:p>
+            <a:pPr algn="l"/>
+            <a:r>
+              <a:rPr lang="en-US" sz="2800" b="1" dirty="0"/>
+              <a:t>pure random &gt; 0.0</a:t>
+            </a:r>
+          </a:p>
+          <a:p>
+            <a:pPr algn="l"/>
+            <a:r>
+              <a:rPr lang="en-US" sz="2800" b="1" dirty="0"/>
+              <a:t>equally distributed among stereochemical group = 0.0</a:t>
+            </a:r>
+          </a:p>
+        </p:txBody>
+      </p:sp>
+      <p:sp>
+        <p:nvSpPr>
+          <p:cNvPr id="4" name="TextBox 3">
+            <a:extLst>
+              <a:ext uri="{FF2B5EF4-FFF2-40B4-BE49-F238E27FC236}">
+                <a16:creationId xmlns:a16="http://schemas.microsoft.com/office/drawing/2014/main" id="{1ACEDA3E-7175-4C0A-8CD1-12F0749D73AF}"/>
+              </a:ext>
+            </a:extLst>
+          </p:cNvPr>
+          <p:cNvSpPr txBox="1"/>
           <p:nvPr/>
-        </p:nvPicPr>
-        <p:blipFill>
-          <a:blip r:embed="rId2"/>
-          <a:stretch>
-            <a:fillRect/>
-          </a:stretch>
-        </p:blipFill>
-        <p:spPr>
-          <a:xfrm>
-            <a:off x="3160776" y="2868369"/>
-            <a:ext cx="4754030" cy="3847993"/>
+        </p:nvSpPr>
+        <p:spPr>
+          <a:xfrm>
+            <a:off x="8159640" y="6211669"/>
+            <a:ext cx="3997380" cy="369332"/>
           </a:xfrm>
           <a:prstGeom prst="rect">
             <a:avLst/>
           </a:prstGeom>
-        </p:spPr>
-      </p:pic>
-      <p:sp>
-        <p:nvSpPr>
-          <p:cNvPr id="9" name="Rectangle 8">
-            <a:extLst>
-              <a:ext uri="{FF2B5EF4-FFF2-40B4-BE49-F238E27FC236}">
-                <a16:creationId xmlns:a16="http://schemas.microsoft.com/office/drawing/2014/main" id="{6D045671-8E81-4E43-B88D-9B8E693E7F63}"/>
-              </a:ext>
-            </a:extLst>
-          </p:cNvPr>
-          <p:cNvSpPr/>
-          <p:nvPr/>
-        </p:nvSpPr>
-        <p:spPr>
-          <a:xfrm>
-            <a:off x="3154447" y="2893388"/>
-            <a:ext cx="368242" cy="359478"/>
-          </a:xfrm>
-          <a:prstGeom prst="rect">
-            <a:avLst/>
-          </a:prstGeom>
-          <a:solidFill>
-            <a:schemeClr val="bg1"/>
-          </a:solidFill>
-          <a:ln>
-            <a:noFill/>
-          </a:ln>
-        </p:spPr>
-        <p:style>
-          <a:lnRef idx="2">
-            <a:schemeClr val="accent1">
-              <a:shade val="50000"/>
-            </a:schemeClr>
-          </a:lnRef>
-          <a:fillRef idx="1">
-            <a:schemeClr val="accent1"/>
-          </a:fillRef>
-          <a:effectRef idx="0">
-            <a:schemeClr val="accent1"/>
-          </a:effectRef>
-          <a:fontRef idx="minor">
-            <a:schemeClr val="lt1"/>
-          </a:fontRef>
-        </p:style>
-        <p:txBody>
-          <a:bodyPr rtlCol="0" anchor="ctr"/>
-          <a:lstStyle/>
-          <a:p>
-            <a:pPr algn="ctr"/>
-            <a:endParaRPr lang="en-US"/>
+          <a:noFill/>
+        </p:spPr>
+        <p:txBody>
+          <a:bodyPr wrap="square" rtlCol="0">
+            <a:spAutoFit/>
+          </a:bodyPr>
+          <a:lstStyle/>
+          <a:p>
+            <a:pPr algn="l"/>
+            <a:r>
+              <a:rPr lang="en-US" dirty="0">
+                <a:hlinkClick r:id="rId2" tooltip="Persistent link using digital object identifier"/>
+              </a:rPr>
+              <a:t>https://doi.org/10.1006/jmbi.1999.2911</a:t>
+            </a:r>
+            <a:endParaRPr lang="en-US" dirty="0"/>
           </a:p>
         </p:txBody>
       </p:sp>
     </p:spTree>
     <p:extLst>
       <p:ext uri="{BB962C8B-B14F-4D97-AF65-F5344CB8AC3E}">
-        <p14:creationId xmlns:p14="http://schemas.microsoft.com/office/powerpoint/2010/main" val="3637536346"/>
+        <p14:creationId xmlns:p14="http://schemas.microsoft.com/office/powerpoint/2010/main" val="4121658573"/>
       </p:ext>
     </p:extLst>
   </p:cSld>
@@ -4722,10 +4715,10 @@
       </p:sp>
       <p:pic>
         <p:nvPicPr>
-          <p:cNvPr id="7" name="Picture 6" descr="Diagram, shape, rectangle&#10;&#10;Description automatically generated">
-            <a:extLst>
-              <a:ext uri="{FF2B5EF4-FFF2-40B4-BE49-F238E27FC236}">
-                <a16:creationId xmlns:a16="http://schemas.microsoft.com/office/drawing/2014/main" id="{5139ECE0-39F4-4752-9110-37653634D456}"/>
+          <p:cNvPr id="6" name="Picture 5" descr="Diagram&#10;&#10;Description automatically generated">
+            <a:extLst>
+              <a:ext uri="{FF2B5EF4-FFF2-40B4-BE49-F238E27FC236}">
+                <a16:creationId xmlns:a16="http://schemas.microsoft.com/office/drawing/2014/main" id="{E7F75B23-F4AB-4C82-96A8-5D85B53E94E4}"/>
               </a:ext>
             </a:extLst>
           </p:cNvPr>
@@ -4742,8 +4735,8 @@
         </p:blipFill>
         <p:spPr>
           <a:xfrm>
-            <a:off x="3154447" y="2848418"/>
-            <a:ext cx="4796667" cy="3847993"/>
+            <a:off x="3130796" y="2852003"/>
+            <a:ext cx="4921618" cy="3849370"/>
           </a:xfrm>
           <a:prstGeom prst="rect">
             <a:avLst/>
@@ -4752,10 +4745,10 @@
       </p:pic>
       <p:sp>
         <p:nvSpPr>
-          <p:cNvPr id="9" name="Rectangle 8">
-            <a:extLst>
-              <a:ext uri="{FF2B5EF4-FFF2-40B4-BE49-F238E27FC236}">
-                <a16:creationId xmlns:a16="http://schemas.microsoft.com/office/drawing/2014/main" id="{25098356-7DEF-4498-B04C-BAC27CB41D99}"/>
+          <p:cNvPr id="7" name="Rectangle 6">
+            <a:extLst>
+              <a:ext uri="{FF2B5EF4-FFF2-40B4-BE49-F238E27FC236}">
+                <a16:creationId xmlns:a16="http://schemas.microsoft.com/office/drawing/2014/main" id="{0C98DBC0-4A3C-48CE-B927-09F67A4ACF9E}"/>
               </a:ext>
             </a:extLst>
           </p:cNvPr>
@@ -4802,10 +4795,49 @@
           </a:p>
         </p:txBody>
       </p:sp>
+      <p:sp>
+        <p:nvSpPr>
+          <p:cNvPr id="8" name="TextBox 7">
+            <a:extLst>
+              <a:ext uri="{FF2B5EF4-FFF2-40B4-BE49-F238E27FC236}">
+                <a16:creationId xmlns:a16="http://schemas.microsoft.com/office/drawing/2014/main" id="{60F870AF-61AC-4450-9D53-765F2FCCF248}"/>
+              </a:ext>
+            </a:extLst>
+          </p:cNvPr>
+          <p:cNvSpPr txBox="1"/>
+          <p:nvPr/>
+        </p:nvSpPr>
+        <p:spPr>
+          <a:xfrm>
+            <a:off x="7989756" y="6488668"/>
+            <a:ext cx="4182255" cy="369332"/>
+          </a:xfrm>
+          <a:prstGeom prst="rect">
+            <a:avLst/>
+          </a:prstGeom>
+          <a:noFill/>
+        </p:spPr>
+        <p:txBody>
+          <a:bodyPr wrap="square" rtlCol="0">
+            <a:spAutoFit/>
+          </a:bodyPr>
+          <a:lstStyle/>
+          <a:p>
+            <a:pPr algn="l"/>
+            <a:r>
+              <a:rPr lang="en-US" dirty="0">
+                <a:hlinkClick r:id="rId3" tooltip="Persistent link using digital object identifier"/>
+              </a:rPr>
+              <a:t>https://doi.org/10.1016/j.jmb.2003.12.078</a:t>
+            </a:r>
+            <a:endParaRPr lang="en-US" dirty="0"/>
+          </a:p>
+        </p:txBody>
+      </p:sp>
     </p:spTree>
     <p:extLst>
       <p:ext uri="{BB962C8B-B14F-4D97-AF65-F5344CB8AC3E}">
-        <p14:creationId xmlns:p14="http://schemas.microsoft.com/office/powerpoint/2010/main" val="3806233806"/>
+        <p14:creationId xmlns:p14="http://schemas.microsoft.com/office/powerpoint/2010/main" val="3787475684"/>
       </p:ext>
     </p:extLst>
   </p:cSld>
@@ -4899,7 +4931,7 @@
             <a:pPr algn="l"/>
             <a:r>
               <a:rPr lang="en-US" sz="2800" b="1" dirty="0"/>
-              <a:t>Phylogeny ZOOM entropy:</a:t>
+              <a:t>Phylogeny entropy:</a:t>
             </a:r>
           </a:p>
           <a:p>
@@ -4919,25 +4951,17 @@
             </a:pPr>
             <a:r>
               <a:rPr lang="en-US" sz="2800" dirty="0"/>
-              <a:t>summing Shannon entropies on </a:t>
-            </a:r>
-            <a:r>
-              <a:rPr lang="en-US" sz="2800" u="sng" dirty="0"/>
-              <a:t>the group that contains the target </a:t>
-            </a:r>
-            <a:r>
-              <a:rPr lang="en-US" sz="2800" dirty="0"/>
-              <a:t>created by cutting the tree at different nodes</a:t>
+              <a:t>summing Shannon entropies on the groups created by cutting the tree at different nodes</a:t>
             </a:r>
           </a:p>
         </p:txBody>
       </p:sp>
       <p:pic>
         <p:nvPicPr>
-          <p:cNvPr id="7" name="Picture 6" descr="Diagram, shape, rectangle&#10;&#10;Description automatically generated">
-            <a:extLst>
-              <a:ext uri="{FF2B5EF4-FFF2-40B4-BE49-F238E27FC236}">
-                <a16:creationId xmlns:a16="http://schemas.microsoft.com/office/drawing/2014/main" id="{5139ECE0-39F4-4752-9110-37653634D456}"/>
+          <p:cNvPr id="8" name="Picture 7" descr="Diagram, shape&#10;&#10;Description automatically generated">
+            <a:extLst>
+              <a:ext uri="{FF2B5EF4-FFF2-40B4-BE49-F238E27FC236}">
+                <a16:creationId xmlns:a16="http://schemas.microsoft.com/office/drawing/2014/main" id="{09C16F62-D095-4282-AC26-F13F633BB92B}"/>
               </a:ext>
             </a:extLst>
           </p:cNvPr>
@@ -4954,8 +4978,8 @@
         </p:blipFill>
         <p:spPr>
           <a:xfrm>
-            <a:off x="3154447" y="2848418"/>
-            <a:ext cx="4796667" cy="3847993"/>
+            <a:off x="3160776" y="2868369"/>
+            <a:ext cx="4754030" cy="3847993"/>
           </a:xfrm>
           <a:prstGeom prst="rect">
             <a:avLst/>
@@ -4964,10 +4988,10 @@
       </p:pic>
       <p:sp>
         <p:nvSpPr>
-          <p:cNvPr id="4" name="Rectangle 3">
-            <a:extLst>
-              <a:ext uri="{FF2B5EF4-FFF2-40B4-BE49-F238E27FC236}">
-                <a16:creationId xmlns:a16="http://schemas.microsoft.com/office/drawing/2014/main" id="{2FECB1AD-8895-4728-AE89-5703CD5A0468}"/>
+          <p:cNvPr id="9" name="Rectangle 8">
+            <a:extLst>
+              <a:ext uri="{FF2B5EF4-FFF2-40B4-BE49-F238E27FC236}">
+                <a16:creationId xmlns:a16="http://schemas.microsoft.com/office/drawing/2014/main" id="{6D045671-8E81-4E43-B88D-9B8E693E7F63}"/>
               </a:ext>
             </a:extLst>
           </p:cNvPr>
@@ -5014,159 +5038,10 @@
           </a:p>
         </p:txBody>
       </p:sp>
-      <p:sp>
-        <p:nvSpPr>
-          <p:cNvPr id="5" name="Rectangle 4">
-            <a:extLst>
-              <a:ext uri="{FF2B5EF4-FFF2-40B4-BE49-F238E27FC236}">
-                <a16:creationId xmlns:a16="http://schemas.microsoft.com/office/drawing/2014/main" id="{9D5DCD36-4459-49F9-9DEC-699FB9FB66F0}"/>
-              </a:ext>
-            </a:extLst>
-          </p:cNvPr>
-          <p:cNvSpPr/>
-          <p:nvPr/>
-        </p:nvSpPr>
-        <p:spPr>
-          <a:xfrm>
-            <a:off x="6895476" y="2893388"/>
-            <a:ext cx="929390" cy="854153"/>
-          </a:xfrm>
-          <a:prstGeom prst="rect">
-            <a:avLst/>
-          </a:prstGeom>
-          <a:solidFill>
-            <a:schemeClr val="bg1">
-              <a:lumMod val="85000"/>
-              <a:alpha val="50000"/>
-            </a:schemeClr>
-          </a:solidFill>
-          <a:ln>
-            <a:noFill/>
-          </a:ln>
-        </p:spPr>
-        <p:style>
-          <a:lnRef idx="2">
-            <a:schemeClr val="accent1">
-              <a:shade val="50000"/>
-            </a:schemeClr>
-          </a:lnRef>
-          <a:fillRef idx="1">
-            <a:schemeClr val="accent1"/>
-          </a:fillRef>
-          <a:effectRef idx="0">
-            <a:schemeClr val="accent1"/>
-          </a:effectRef>
-          <a:fontRef idx="minor">
-            <a:schemeClr val="lt1"/>
-          </a:fontRef>
-        </p:style>
-        <p:txBody>
-          <a:bodyPr rtlCol="0" anchor="ctr"/>
-          <a:lstStyle/>
-          <a:p>
-            <a:pPr algn="ctr"/>
-            <a:endParaRPr lang="en-US"/>
-          </a:p>
-        </p:txBody>
-      </p:sp>
-      <p:sp>
-        <p:nvSpPr>
-          <p:cNvPr id="8" name="Rectangle 7">
-            <a:extLst>
-              <a:ext uri="{FF2B5EF4-FFF2-40B4-BE49-F238E27FC236}">
-                <a16:creationId xmlns:a16="http://schemas.microsoft.com/office/drawing/2014/main" id="{68609C54-8540-49B2-9445-B47D9073AC9F}"/>
-              </a:ext>
-            </a:extLst>
-          </p:cNvPr>
-          <p:cNvSpPr/>
-          <p:nvPr/>
-        </p:nvSpPr>
-        <p:spPr>
-          <a:xfrm>
-            <a:off x="6895476" y="4649310"/>
-            <a:ext cx="929390" cy="2047101"/>
-          </a:xfrm>
-          <a:prstGeom prst="rect">
-            <a:avLst/>
-          </a:prstGeom>
-          <a:solidFill>
-            <a:schemeClr val="bg1">
-              <a:lumMod val="85000"/>
-              <a:alpha val="50000"/>
-            </a:schemeClr>
-          </a:solidFill>
-          <a:ln>
-            <a:noFill/>
-          </a:ln>
-        </p:spPr>
-        <p:style>
-          <a:lnRef idx="2">
-            <a:schemeClr val="accent1">
-              <a:shade val="50000"/>
-            </a:schemeClr>
-          </a:lnRef>
-          <a:fillRef idx="1">
-            <a:schemeClr val="accent1"/>
-          </a:fillRef>
-          <a:effectRef idx="0">
-            <a:schemeClr val="accent1"/>
-          </a:effectRef>
-          <a:fontRef idx="minor">
-            <a:schemeClr val="lt1"/>
-          </a:fontRef>
-        </p:style>
-        <p:txBody>
-          <a:bodyPr rtlCol="0" anchor="ctr"/>
-          <a:lstStyle/>
-          <a:p>
-            <a:pPr algn="ctr"/>
-            <a:endParaRPr lang="en-US"/>
-          </a:p>
-        </p:txBody>
-      </p:sp>
-      <p:sp>
-        <p:nvSpPr>
-          <p:cNvPr id="9" name="TextBox 8">
-            <a:extLst>
-              <a:ext uri="{FF2B5EF4-FFF2-40B4-BE49-F238E27FC236}">
-                <a16:creationId xmlns:a16="http://schemas.microsoft.com/office/drawing/2014/main" id="{11690B66-BE39-4929-AEE9-60721B54610B}"/>
-              </a:ext>
-            </a:extLst>
-          </p:cNvPr>
-          <p:cNvSpPr txBox="1"/>
-          <p:nvPr/>
-        </p:nvSpPr>
-        <p:spPr>
-          <a:xfrm>
-            <a:off x="7989756" y="6488668"/>
-            <a:ext cx="4182255" cy="369332"/>
-          </a:xfrm>
-          <a:prstGeom prst="rect">
-            <a:avLst/>
-          </a:prstGeom>
-          <a:noFill/>
-        </p:spPr>
-        <p:txBody>
-          <a:bodyPr wrap="square" rtlCol="0">
-            <a:spAutoFit/>
-          </a:bodyPr>
-          <a:lstStyle/>
-          <a:p>
-            <a:pPr algn="l"/>
-            <a:r>
-              <a:rPr lang="en-US" dirty="0">
-                <a:hlinkClick r:id="rId3" tooltip="Persistent link using digital object identifier"/>
-              </a:rPr>
-              <a:t>https://doi.org/10.1016/j.jmb.2003.12.078</a:t>
-            </a:r>
-            <a:endParaRPr lang="en-US" dirty="0"/>
-          </a:p>
-        </p:txBody>
-      </p:sp>
     </p:spTree>
     <p:extLst>
       <p:ext uri="{BB962C8B-B14F-4D97-AF65-F5344CB8AC3E}">
-        <p14:creationId xmlns:p14="http://schemas.microsoft.com/office/powerpoint/2010/main" val="2477191571"/>
+        <p14:creationId xmlns:p14="http://schemas.microsoft.com/office/powerpoint/2010/main" val="3637536346"/>
       </p:ext>
     </p:extLst>
   </p:cSld>
@@ -5244,7 +5119,7 @@
         <p:spPr>
           <a:xfrm>
             <a:off x="579619" y="1122476"/>
-            <a:ext cx="10962807" cy="5262979"/>
+            <a:ext cx="10962807" cy="1815882"/>
           </a:xfrm>
           <a:prstGeom prst="rect">
             <a:avLst/>
@@ -5260,90 +5135,117 @@
             <a:pPr algn="l"/>
             <a:r>
               <a:rPr lang="en-US" sz="2800" b="1" dirty="0"/>
-              <a:t>Phylogeny (ZOOM) entropy:</a:t>
-            </a:r>
-          </a:p>
-          <a:p>
-            <a:pPr algn="l"/>
-            <a:endParaRPr lang="en-US" sz="2800" b="1" dirty="0"/>
-          </a:p>
-          <a:p>
-            <a:pPr algn="l"/>
-            <a:r>
-              <a:rPr lang="en-US" sz="2800" b="1" dirty="0"/>
-              <a:t>capture diversity with evolutionary information integrated</a:t>
-            </a:r>
-          </a:p>
-          <a:p>
-            <a:pPr algn="l"/>
-            <a:endParaRPr lang="en-US" sz="2800" b="1" dirty="0"/>
-          </a:p>
-          <a:p>
-            <a:pPr algn="l"/>
-            <a:r>
-              <a:rPr lang="en-US" sz="2800" b="1" dirty="0"/>
-              <a:t>All (A) = All (L) = All (W) = 1.0</a:t>
-            </a:r>
-          </a:p>
-          <a:p>
-            <a:pPr algn="l"/>
-            <a:endParaRPr lang="en-US" sz="2800" b="1" dirty="0"/>
-          </a:p>
-          <a:p>
-            <a:pPr algn="l"/>
+              <a:t>Phylogeny entropy:</a:t>
+            </a:r>
+          </a:p>
+          <a:p>
+            <a:pPr marL="457200" indent="-457200" algn="l">
+              <a:buFont typeface="Arial" panose="020B0604020202020204" pitchFamily="34" charset="0"/>
+              <a:buChar char="•"/>
+            </a:pPr>
             <a:r>
               <a:rPr lang="en-US" sz="2800" dirty="0"/>
-              <a:t>diversity in </a:t>
-            </a:r>
-            <a:r>
-              <a:rPr lang="en-US" sz="2800" b="1" dirty="0"/>
-              <a:t>closely related</a:t>
-            </a:r>
+              <a:t>based on a pre-built phylogenetic tree</a:t>
+            </a:r>
+          </a:p>
+          <a:p>
+            <a:pPr marL="457200" indent="-457200" algn="l">
+              <a:buFont typeface="Arial" panose="020B0604020202020204" pitchFamily="34" charset="0"/>
+              <a:buChar char="•"/>
+            </a:pPr>
             <a:r>
               <a:rPr lang="en-US" sz="2800" dirty="0"/>
-              <a:t> strain is penalized</a:t>
-            </a:r>
-            <a:r>
-              <a:rPr lang="en-US" sz="2800" b="1" dirty="0"/>
-              <a:t> more </a:t>
-            </a:r>
-            <a:r>
-              <a:rPr lang="en-US" sz="2800" dirty="0"/>
-              <a:t>than that in </a:t>
-            </a:r>
-            <a:r>
-              <a:rPr lang="en-US" sz="2800" b="1" dirty="0"/>
-              <a:t>distantly related </a:t>
-            </a:r>
-            <a:r>
-              <a:rPr lang="en-US" sz="2800" dirty="0"/>
-              <a:t>strain</a:t>
-            </a:r>
-          </a:p>
-          <a:p>
-            <a:pPr algn="l"/>
-            <a:r>
-              <a:rPr lang="en-US" sz="2800" dirty="0"/>
-              <a:t>There is only one S to Q change, the score is lower if it happens in a very closely related strain than if it happens in a very distantly related strain</a:t>
-            </a:r>
-          </a:p>
-          <a:p>
-            <a:pPr algn="l"/>
-            <a:endParaRPr lang="en-US" sz="2800" dirty="0"/>
-          </a:p>
-          <a:p>
-            <a:pPr algn="l"/>
-            <a:r>
-              <a:rPr lang="en-US" sz="2800" b="1" dirty="0"/>
-              <a:t>pure random -&gt; 0.0</a:t>
-            </a:r>
+              <a:t>summing Shannon entropies on the groups created by cutting the tree at different nodes</a:t>
+            </a:r>
+          </a:p>
+        </p:txBody>
+      </p:sp>
+      <p:pic>
+        <p:nvPicPr>
+          <p:cNvPr id="7" name="Picture 6" descr="Diagram, shape, rectangle&#10;&#10;Description automatically generated">
+            <a:extLst>
+              <a:ext uri="{FF2B5EF4-FFF2-40B4-BE49-F238E27FC236}">
+                <a16:creationId xmlns:a16="http://schemas.microsoft.com/office/drawing/2014/main" id="{5139ECE0-39F4-4752-9110-37653634D456}"/>
+              </a:ext>
+            </a:extLst>
+          </p:cNvPr>
+          <p:cNvPicPr>
+            <a:picLocks noChangeAspect="1"/>
+          </p:cNvPicPr>
+          <p:nvPr/>
+        </p:nvPicPr>
+        <p:blipFill>
+          <a:blip r:embed="rId2"/>
+          <a:stretch>
+            <a:fillRect/>
+          </a:stretch>
+        </p:blipFill>
+        <p:spPr>
+          <a:xfrm>
+            <a:off x="3154447" y="2848418"/>
+            <a:ext cx="4796667" cy="3847993"/>
+          </a:xfrm>
+          <a:prstGeom prst="rect">
+            <a:avLst/>
+          </a:prstGeom>
+        </p:spPr>
+      </p:pic>
+      <p:sp>
+        <p:nvSpPr>
+          <p:cNvPr id="9" name="Rectangle 8">
+            <a:extLst>
+              <a:ext uri="{FF2B5EF4-FFF2-40B4-BE49-F238E27FC236}">
+                <a16:creationId xmlns:a16="http://schemas.microsoft.com/office/drawing/2014/main" id="{25098356-7DEF-4498-B04C-BAC27CB41D99}"/>
+              </a:ext>
+            </a:extLst>
+          </p:cNvPr>
+          <p:cNvSpPr/>
+          <p:nvPr/>
+        </p:nvSpPr>
+        <p:spPr>
+          <a:xfrm>
+            <a:off x="3154447" y="2893388"/>
+            <a:ext cx="368242" cy="359478"/>
+          </a:xfrm>
+          <a:prstGeom prst="rect">
+            <a:avLst/>
+          </a:prstGeom>
+          <a:solidFill>
+            <a:schemeClr val="bg1"/>
+          </a:solidFill>
+          <a:ln>
+            <a:noFill/>
+          </a:ln>
+        </p:spPr>
+        <p:style>
+          <a:lnRef idx="2">
+            <a:schemeClr val="accent1">
+              <a:shade val="50000"/>
+            </a:schemeClr>
+          </a:lnRef>
+          <a:fillRef idx="1">
+            <a:schemeClr val="accent1"/>
+          </a:fillRef>
+          <a:effectRef idx="0">
+            <a:schemeClr val="accent1"/>
+          </a:effectRef>
+          <a:fontRef idx="minor">
+            <a:schemeClr val="lt1"/>
+          </a:fontRef>
+        </p:style>
+        <p:txBody>
+          <a:bodyPr rtlCol="0" anchor="ctr"/>
+          <a:lstStyle/>
+          <a:p>
+            <a:pPr algn="ctr"/>
+            <a:endParaRPr lang="en-US"/>
           </a:p>
         </p:txBody>
       </p:sp>
     </p:spTree>
     <p:extLst>
       <p:ext uri="{BB962C8B-B14F-4D97-AF65-F5344CB8AC3E}">
-        <p14:creationId xmlns:p14="http://schemas.microsoft.com/office/powerpoint/2010/main" val="345368313"/>
+        <p14:creationId xmlns:p14="http://schemas.microsoft.com/office/powerpoint/2010/main" val="3806233806"/>
       </p:ext>
     </p:extLst>
   </p:cSld>
@@ -5401,7 +5303,7 @@
             <a:pPr algn="l"/>
             <a:r>
               <a:rPr lang="en-US" sz="3600" dirty="0"/>
-              <a:t>Conservation Score – substitution matrix</a:t>
+              <a:t>Conservation Score – phylogeny</a:t>
             </a:r>
           </a:p>
         </p:txBody>
@@ -5437,30 +5339,45 @@
             <a:pPr algn="l"/>
             <a:r>
               <a:rPr lang="en-US" sz="2800" b="1" dirty="0"/>
-              <a:t>substitution matrix:</a:t>
-            </a:r>
-          </a:p>
-          <a:p>
-            <a:pPr algn="l"/>
+              <a:t>Phylogeny ZOOM entropy:</a:t>
+            </a:r>
+          </a:p>
+          <a:p>
+            <a:pPr marL="457200" indent="-457200" algn="l">
+              <a:buFont typeface="Arial" panose="020B0604020202020204" pitchFamily="34" charset="0"/>
+              <a:buChar char="•"/>
+            </a:pPr>
             <a:r>
               <a:rPr lang="en-US" sz="2800" dirty="0"/>
-              <a:t>sum the weights set for each mutation pair – BLOSUM62:</a:t>
-            </a:r>
-          </a:p>
-          <a:p>
+              <a:t>based on a pre-built phylogenetic tree</a:t>
+            </a:r>
+          </a:p>
+          <a:p>
+            <a:pPr marL="457200" indent="-457200" algn="l">
+              <a:buFont typeface="Arial" panose="020B0604020202020204" pitchFamily="34" charset="0"/>
+              <a:buChar char="•"/>
+            </a:pPr>
             <a:r>
               <a:rPr lang="en-US" sz="2800" dirty="0"/>
-              <a:t>a positive score is given to the more likely substitutions while a negative score is given to the less likely substitutions</a:t>
+              <a:t>summing Shannon entropies on </a:t>
+            </a:r>
+            <a:r>
+              <a:rPr lang="en-US" sz="2800" u="sng" dirty="0"/>
+              <a:t>the group that contains the target </a:t>
+            </a:r>
+            <a:r>
+              <a:rPr lang="en-US" sz="2800" dirty="0"/>
+              <a:t>created by cutting the tree at different nodes</a:t>
             </a:r>
           </a:p>
         </p:txBody>
       </p:sp>
       <p:pic>
         <p:nvPicPr>
-          <p:cNvPr id="5" name="Picture 4" descr="A picture containing white&#10;&#10;Description automatically generated">
-            <a:extLst>
-              <a:ext uri="{FF2B5EF4-FFF2-40B4-BE49-F238E27FC236}">
-                <a16:creationId xmlns:a16="http://schemas.microsoft.com/office/drawing/2014/main" id="{25327A84-F6B8-4730-B2DD-1FA054EEF207}"/>
+          <p:cNvPr id="7" name="Picture 6" descr="Diagram, shape, rectangle&#10;&#10;Description automatically generated">
+            <a:extLst>
+              <a:ext uri="{FF2B5EF4-FFF2-40B4-BE49-F238E27FC236}">
+                <a16:creationId xmlns:a16="http://schemas.microsoft.com/office/drawing/2014/main" id="{5139ECE0-39F4-4752-9110-37653634D456}"/>
               </a:ext>
             </a:extLst>
           </p:cNvPr>
@@ -5477,8 +5394,8 @@
         </p:blipFill>
         <p:spPr>
           <a:xfrm>
-            <a:off x="536792" y="3107078"/>
-            <a:ext cx="11048460" cy="3473190"/>
+            <a:off x="3154447" y="2848418"/>
+            <a:ext cx="4796667" cy="3847993"/>
           </a:xfrm>
           <a:prstGeom prst="rect">
             <a:avLst/>
@@ -5487,10 +5404,172 @@
       </p:pic>
       <p:sp>
         <p:nvSpPr>
-          <p:cNvPr id="6" name="TextBox 5">
-            <a:extLst>
-              <a:ext uri="{FF2B5EF4-FFF2-40B4-BE49-F238E27FC236}">
-                <a16:creationId xmlns:a16="http://schemas.microsoft.com/office/drawing/2014/main" id="{E560B084-B524-407E-A84D-0F08F5302CCD}"/>
+          <p:cNvPr id="4" name="Rectangle 3">
+            <a:extLst>
+              <a:ext uri="{FF2B5EF4-FFF2-40B4-BE49-F238E27FC236}">
+                <a16:creationId xmlns:a16="http://schemas.microsoft.com/office/drawing/2014/main" id="{2FECB1AD-8895-4728-AE89-5703CD5A0468}"/>
+              </a:ext>
+            </a:extLst>
+          </p:cNvPr>
+          <p:cNvSpPr/>
+          <p:nvPr/>
+        </p:nvSpPr>
+        <p:spPr>
+          <a:xfrm>
+            <a:off x="3154447" y="2893388"/>
+            <a:ext cx="368242" cy="359478"/>
+          </a:xfrm>
+          <a:prstGeom prst="rect">
+            <a:avLst/>
+          </a:prstGeom>
+          <a:solidFill>
+            <a:schemeClr val="bg1"/>
+          </a:solidFill>
+          <a:ln>
+            <a:noFill/>
+          </a:ln>
+        </p:spPr>
+        <p:style>
+          <a:lnRef idx="2">
+            <a:schemeClr val="accent1">
+              <a:shade val="50000"/>
+            </a:schemeClr>
+          </a:lnRef>
+          <a:fillRef idx="1">
+            <a:schemeClr val="accent1"/>
+          </a:fillRef>
+          <a:effectRef idx="0">
+            <a:schemeClr val="accent1"/>
+          </a:effectRef>
+          <a:fontRef idx="minor">
+            <a:schemeClr val="lt1"/>
+          </a:fontRef>
+        </p:style>
+        <p:txBody>
+          <a:bodyPr rtlCol="0" anchor="ctr"/>
+          <a:lstStyle/>
+          <a:p>
+            <a:pPr algn="ctr"/>
+            <a:endParaRPr lang="en-US"/>
+          </a:p>
+        </p:txBody>
+      </p:sp>
+      <p:sp>
+        <p:nvSpPr>
+          <p:cNvPr id="5" name="Rectangle 4">
+            <a:extLst>
+              <a:ext uri="{FF2B5EF4-FFF2-40B4-BE49-F238E27FC236}">
+                <a16:creationId xmlns:a16="http://schemas.microsoft.com/office/drawing/2014/main" id="{9D5DCD36-4459-49F9-9DEC-699FB9FB66F0}"/>
+              </a:ext>
+            </a:extLst>
+          </p:cNvPr>
+          <p:cNvSpPr/>
+          <p:nvPr/>
+        </p:nvSpPr>
+        <p:spPr>
+          <a:xfrm>
+            <a:off x="6895476" y="2893388"/>
+            <a:ext cx="929390" cy="854153"/>
+          </a:xfrm>
+          <a:prstGeom prst="rect">
+            <a:avLst/>
+          </a:prstGeom>
+          <a:solidFill>
+            <a:schemeClr val="bg1">
+              <a:lumMod val="85000"/>
+              <a:alpha val="50000"/>
+            </a:schemeClr>
+          </a:solidFill>
+          <a:ln>
+            <a:noFill/>
+          </a:ln>
+        </p:spPr>
+        <p:style>
+          <a:lnRef idx="2">
+            <a:schemeClr val="accent1">
+              <a:shade val="50000"/>
+            </a:schemeClr>
+          </a:lnRef>
+          <a:fillRef idx="1">
+            <a:schemeClr val="accent1"/>
+          </a:fillRef>
+          <a:effectRef idx="0">
+            <a:schemeClr val="accent1"/>
+          </a:effectRef>
+          <a:fontRef idx="minor">
+            <a:schemeClr val="lt1"/>
+          </a:fontRef>
+        </p:style>
+        <p:txBody>
+          <a:bodyPr rtlCol="0" anchor="ctr"/>
+          <a:lstStyle/>
+          <a:p>
+            <a:pPr algn="ctr"/>
+            <a:endParaRPr lang="en-US"/>
+          </a:p>
+        </p:txBody>
+      </p:sp>
+      <p:sp>
+        <p:nvSpPr>
+          <p:cNvPr id="8" name="Rectangle 7">
+            <a:extLst>
+              <a:ext uri="{FF2B5EF4-FFF2-40B4-BE49-F238E27FC236}">
+                <a16:creationId xmlns:a16="http://schemas.microsoft.com/office/drawing/2014/main" id="{68609C54-8540-49B2-9445-B47D9073AC9F}"/>
+              </a:ext>
+            </a:extLst>
+          </p:cNvPr>
+          <p:cNvSpPr/>
+          <p:nvPr/>
+        </p:nvSpPr>
+        <p:spPr>
+          <a:xfrm>
+            <a:off x="6895476" y="4649310"/>
+            <a:ext cx="929390" cy="2047101"/>
+          </a:xfrm>
+          <a:prstGeom prst="rect">
+            <a:avLst/>
+          </a:prstGeom>
+          <a:solidFill>
+            <a:schemeClr val="bg1">
+              <a:lumMod val="85000"/>
+              <a:alpha val="50000"/>
+            </a:schemeClr>
+          </a:solidFill>
+          <a:ln>
+            <a:noFill/>
+          </a:ln>
+        </p:spPr>
+        <p:style>
+          <a:lnRef idx="2">
+            <a:schemeClr val="accent1">
+              <a:shade val="50000"/>
+            </a:schemeClr>
+          </a:lnRef>
+          <a:fillRef idx="1">
+            <a:schemeClr val="accent1"/>
+          </a:fillRef>
+          <a:effectRef idx="0">
+            <a:schemeClr val="accent1"/>
+          </a:effectRef>
+          <a:fontRef idx="minor">
+            <a:schemeClr val="lt1"/>
+          </a:fontRef>
+        </p:style>
+        <p:txBody>
+          <a:bodyPr rtlCol="0" anchor="ctr"/>
+          <a:lstStyle/>
+          <a:p>
+            <a:pPr algn="ctr"/>
+            <a:endParaRPr lang="en-US"/>
+          </a:p>
+        </p:txBody>
+      </p:sp>
+      <p:sp>
+        <p:nvSpPr>
+          <p:cNvPr id="9" name="TextBox 8">
+            <a:extLst>
+              <a:ext uri="{FF2B5EF4-FFF2-40B4-BE49-F238E27FC236}">
+                <a16:creationId xmlns:a16="http://schemas.microsoft.com/office/drawing/2014/main" id="{11690B66-BE39-4929-AEE9-60721B54610B}"/>
               </a:ext>
             </a:extLst>
           </p:cNvPr>
@@ -5499,8 +5578,8 @@
         </p:nvSpPr>
         <p:spPr>
           <a:xfrm>
-            <a:off x="7315200" y="6488668"/>
-            <a:ext cx="4856811" cy="369332"/>
+            <a:off x="7989756" y="6488668"/>
+            <a:ext cx="4182255" cy="369332"/>
           </a:xfrm>
           <a:prstGeom prst="rect">
             <a:avLst/>
@@ -5516,9 +5595,9 @@
             <a:pPr algn="l"/>
             <a:r>
               <a:rPr lang="en-US" dirty="0">
-                <a:hlinkClick r:id="rId3"/>
+                <a:hlinkClick r:id="rId3" tooltip="Persistent link using digital object identifier"/>
               </a:rPr>
-              <a:t>https://doi.org/10.1128/jb.178.7.1881-1894.1996 </a:t>
+              <a:t>https://doi.org/10.1016/j.jmb.2003.12.078</a:t>
             </a:r>
             <a:endParaRPr lang="en-US" dirty="0"/>
           </a:p>
@@ -5527,7 +5606,7 @@
     </p:spTree>
     <p:extLst>
       <p:ext uri="{BB962C8B-B14F-4D97-AF65-F5344CB8AC3E}">
-        <p14:creationId xmlns:p14="http://schemas.microsoft.com/office/powerpoint/2010/main" val="1584438600"/>
+        <p14:creationId xmlns:p14="http://schemas.microsoft.com/office/powerpoint/2010/main" val="2477191571"/>
       </p:ext>
     </p:extLst>
   </p:cSld>
@@ -5585,7 +5664,7 @@
             <a:pPr algn="l"/>
             <a:r>
               <a:rPr lang="en-US" sz="3600" dirty="0"/>
-              <a:t>Conservation Score – substitution matrix</a:t>
+              <a:t>Conservation Score – phylogeny</a:t>
             </a:r>
           </a:p>
         </p:txBody>
@@ -5604,8 +5683,8 @@
         </p:nvSpPr>
         <p:spPr>
           <a:xfrm>
-            <a:off x="614596" y="1212417"/>
-            <a:ext cx="10962807" cy="4832092"/>
+            <a:off x="579619" y="1122476"/>
+            <a:ext cx="10962807" cy="5262979"/>
           </a:xfrm>
           <a:prstGeom prst="rect">
             <a:avLst/>
@@ -5621,9 +5700,8 @@
             <a:pPr algn="l"/>
             <a:r>
               <a:rPr lang="en-US" sz="2800" b="1" dirty="0"/>
-              <a:t>substitution matrix:</a:t>
-            </a:r>
-            <a:endParaRPr lang="en-US" sz="2800" dirty="0"/>
+              <a:t>Phylogeny (ZOOM) entropy:</a:t>
+            </a:r>
           </a:p>
           <a:p>
             <a:pPr algn="l"/>
@@ -5633,21 +5711,7 @@
             <a:pPr algn="l"/>
             <a:r>
               <a:rPr lang="en-US" sz="2800" b="1" dirty="0"/>
-              <a:t>substitution/mutation based</a:t>
-            </a:r>
-          </a:p>
-          <a:p>
-            <a:pPr algn="l"/>
-            <a:r>
-              <a:rPr lang="en-US" sz="2800" b="1" dirty="0"/>
-              <a:t>distinguish between wildtype and mutant (entropy based algo does not)</a:t>
-            </a:r>
-          </a:p>
-          <a:p>
-            <a:pPr algn="l"/>
-            <a:r>
-              <a:rPr lang="en-US" sz="2800" b="1" dirty="0"/>
-              <a:t>background distribution dependent</a:t>
+              <a:t>capture diversity with evolutionary information integrated</a:t>
             </a:r>
           </a:p>
           <a:p>
@@ -5668,42 +5732,50 @@
           <a:p>
             <a:pPr algn="l"/>
             <a:r>
+              <a:rPr lang="en-US" sz="2800" dirty="0"/>
+              <a:t>diversity in </a:t>
+            </a:r>
+            <a:r>
               <a:rPr lang="en-US" sz="2800" b="1" dirty="0"/>
-              <a:t>rare </a:t>
+              <a:t>closely related</a:t>
             </a:r>
             <a:r>
               <a:rPr lang="en-US" sz="2800" dirty="0"/>
-              <a:t>substitution is penalized </a:t>
+              <a:t> strain is penalized</a:t>
             </a:r>
             <a:r>
               <a:rPr lang="en-US" sz="2800" b="1" dirty="0"/>
-              <a:t>more </a:t>
+              <a:t> more </a:t>
             </a:r>
             <a:r>
               <a:rPr lang="en-US" sz="2800" dirty="0"/>
-              <a:t>than</a:t>
+              <a:t>than that in </a:t>
             </a:r>
             <a:r>
               <a:rPr lang="en-US" sz="2800" b="1" dirty="0"/>
-              <a:t> common </a:t>
+              <a:t>distantly related </a:t>
             </a:r>
             <a:r>
               <a:rPr lang="en-US" sz="2800" dirty="0"/>
-              <a:t>substitution</a:t>
+              <a:t>strain</a:t>
             </a:r>
           </a:p>
           <a:p>
             <a:pPr algn="l"/>
             <a:r>
+              <a:rPr lang="en-US" sz="2800" dirty="0"/>
+              <a:t>There is only one S to Q change, the score is lower if it happens in a very closely related strain than if it happens in a very distantly related strain</a:t>
+            </a:r>
+          </a:p>
+          <a:p>
+            <a:pPr algn="l"/>
+            <a:endParaRPr lang="en-US" sz="2800" dirty="0"/>
+          </a:p>
+          <a:p>
+            <a:pPr algn="l"/>
+            <a:r>
               <a:rPr lang="en-US" sz="2800" b="1" dirty="0"/>
-              <a:t>pure random &gt; 0.0</a:t>
-            </a:r>
-          </a:p>
-          <a:p>
-            <a:pPr algn="l"/>
-            <a:r>
-              <a:rPr lang="en-US" sz="2800" b="1" dirty="0"/>
-              <a:t>All (the most unlikely substitution) = 0.0</a:t>
+              <a:t>pure random -&gt; 0.0</a:t>
             </a:r>
           </a:p>
         </p:txBody>
@@ -5711,7 +5783,7 @@
     </p:spTree>
     <p:extLst>
       <p:ext uri="{BB962C8B-B14F-4D97-AF65-F5344CB8AC3E}">
-        <p14:creationId xmlns:p14="http://schemas.microsoft.com/office/powerpoint/2010/main" val="2438360996"/>
+        <p14:creationId xmlns:p14="http://schemas.microsoft.com/office/powerpoint/2010/main" val="345368313"/>
       </p:ext>
     </p:extLst>
   </p:cSld>
@@ -5743,7 +5815,7 @@
           <p:cNvPr id="2" name="TextBox 1">
             <a:extLst>
               <a:ext uri="{FF2B5EF4-FFF2-40B4-BE49-F238E27FC236}">
-                <a16:creationId xmlns:a16="http://schemas.microsoft.com/office/drawing/2014/main" id="{8C058870-25BB-48B3-843A-547CE47BC327}"/>
+                <a16:creationId xmlns:a16="http://schemas.microsoft.com/office/drawing/2014/main" id="{DB421D53-E44A-456B-9B6E-E2650C70971C}"/>
               </a:ext>
             </a:extLst>
           </p:cNvPr>
@@ -5752,8 +5824,8 @@
         </p:nvSpPr>
         <p:spPr>
           <a:xfrm>
-            <a:off x="329783" y="434715"/>
-            <a:ext cx="4392118" cy="646331"/>
+            <a:off x="329782" y="419725"/>
+            <a:ext cx="11077733" cy="646331"/>
           </a:xfrm>
           <a:prstGeom prst="rect">
             <a:avLst/>
@@ -5769,7 +5841,7 @@
             <a:pPr algn="l"/>
             <a:r>
               <a:rPr lang="en-US" sz="3600" dirty="0"/>
-              <a:t>Conservation Score:</a:t>
+              <a:t>Conservation Score – substitution matrix</a:t>
             </a:r>
           </a:p>
         </p:txBody>
@@ -5779,7 +5851,7 @@
           <p:cNvPr id="3" name="TextBox 2">
             <a:extLst>
               <a:ext uri="{FF2B5EF4-FFF2-40B4-BE49-F238E27FC236}">
-                <a16:creationId xmlns:a16="http://schemas.microsoft.com/office/drawing/2014/main" id="{48A43702-F0B4-4F23-8B14-82B4775177E3}"/>
+                <a16:creationId xmlns:a16="http://schemas.microsoft.com/office/drawing/2014/main" id="{A3896A3A-B473-4C58-851B-20BE61BCA0F5}"/>
               </a:ext>
             </a:extLst>
           </p:cNvPr>
@@ -5788,8 +5860,8 @@
         </p:nvSpPr>
         <p:spPr>
           <a:xfrm>
-            <a:off x="189875" y="1081046"/>
-            <a:ext cx="11812249" cy="5142305"/>
+            <a:off x="579619" y="1122476"/>
+            <a:ext cx="10962807" cy="1815882"/>
           </a:xfrm>
           <a:prstGeom prst="rect">
             <a:avLst/>
@@ -5802,108 +5874,63 @@
           </a:bodyPr>
           <a:lstStyle/>
           <a:p>
-            <a:pPr marL="457200" indent="-457200" algn="l">
-              <a:lnSpc>
-                <a:spcPct val="200000"/>
-              </a:lnSpc>
-              <a:buFont typeface="Arial" panose="020B0604020202020204" pitchFamily="34" charset="0"/>
-              <a:buChar char="•"/>
-            </a:pPr>
+            <a:pPr algn="l"/>
+            <a:r>
+              <a:rPr lang="en-US" sz="2800" b="1" dirty="0"/>
+              <a:t>substitution matrix:</a:t>
+            </a:r>
+          </a:p>
+          <a:p>
+            <a:pPr algn="l"/>
             <a:r>
               <a:rPr lang="en-US" sz="2800" dirty="0"/>
-              <a:t>Symbol Frequency – count frequencies for each </a:t>
-            </a:r>
-            <a:r>
-              <a:rPr lang="en-US" sz="2800" dirty="0" err="1"/>
-              <a:t>aas</a:t>
-            </a:r>
+              <a:t>sum the weights set for each mutation pair – BLOSUM62:</a:t>
+            </a:r>
+          </a:p>
+          <a:p>
             <a:r>
               <a:rPr lang="en-US" sz="2800" dirty="0"/>
-              <a:t> </a:t>
-            </a:r>
-          </a:p>
-          <a:p>
-            <a:pPr marL="457200" indent="-457200" algn="l">
-              <a:lnSpc>
-                <a:spcPct val="200000"/>
-              </a:lnSpc>
-              <a:buFont typeface="Arial" panose="020B0604020202020204" pitchFamily="34" charset="0"/>
-              <a:buChar char="•"/>
-            </a:pPr>
-            <a:r>
-              <a:rPr lang="en-US" sz="2800" dirty="0"/>
-              <a:t>Entropy – quantify diversity</a:t>
-            </a:r>
-          </a:p>
-          <a:p>
-            <a:pPr marL="457200" indent="-457200" algn="l">
-              <a:lnSpc>
-                <a:spcPct val="200000"/>
-              </a:lnSpc>
-              <a:buFont typeface="Arial" panose="020B0604020202020204" pitchFamily="34" charset="0"/>
-              <a:buChar char="•"/>
-            </a:pPr>
-            <a:r>
-              <a:rPr lang="en-US" sz="2800" dirty="0"/>
-              <a:t>JSD – quantify diversity with biology info</a:t>
-            </a:r>
-          </a:p>
-          <a:p>
-            <a:pPr marL="457200" indent="-457200" algn="l">
-              <a:lnSpc>
-                <a:spcPct val="200000"/>
-              </a:lnSpc>
-              <a:buFont typeface="Arial" panose="020B0604020202020204" pitchFamily="34" charset="0"/>
-              <a:buChar char="•"/>
-            </a:pPr>
-            <a:r>
-              <a:rPr lang="en-US" sz="2800" dirty="0" err="1"/>
-              <a:t>Stereochemically</a:t>
-            </a:r>
-            <a:r>
-              <a:rPr lang="en-US" sz="2800" dirty="0"/>
-              <a:t> Sensitive Entropy – quantify diversity with biochemical info </a:t>
-            </a:r>
-          </a:p>
-          <a:p>
-            <a:pPr marL="457200" indent="-457200" algn="l">
-              <a:lnSpc>
-                <a:spcPct val="200000"/>
-              </a:lnSpc>
-              <a:buFont typeface="Arial" panose="020B0604020202020204" pitchFamily="34" charset="0"/>
-              <a:buChar char="•"/>
-            </a:pPr>
-            <a:r>
-              <a:rPr lang="en-US" sz="2800" dirty="0"/>
-              <a:t>Phylogeny – quantify diversity weighted by </a:t>
-            </a:r>
-            <a:r>
-              <a:rPr lang="en-US" sz="2800"/>
-              <a:t>evolutionary distance</a:t>
-            </a:r>
-            <a:endParaRPr lang="en-US" sz="2800" dirty="0"/>
-          </a:p>
-          <a:p>
-            <a:pPr marL="457200" indent="-457200" algn="l">
-              <a:lnSpc>
-                <a:spcPct val="200000"/>
-              </a:lnSpc>
-              <a:buFont typeface="Arial" panose="020B0604020202020204" pitchFamily="34" charset="0"/>
-              <a:buChar char="•"/>
-            </a:pPr>
-            <a:r>
-              <a:rPr lang="en-US" sz="2800" dirty="0"/>
-              <a:t>Substitution Matrix – quantify likeliness of existing substitution</a:t>
-            </a:r>
-          </a:p>
-        </p:txBody>
-      </p:sp>
-      <p:sp>
-        <p:nvSpPr>
-          <p:cNvPr id="4" name="TextBox 3">
-            <a:extLst>
-              <a:ext uri="{FF2B5EF4-FFF2-40B4-BE49-F238E27FC236}">
-                <a16:creationId xmlns:a16="http://schemas.microsoft.com/office/drawing/2014/main" id="{7DD00701-44DA-4CE1-8D5C-0111B28F0BAD}"/>
+              <a:t>a positive score is given to the more likely substitutions while a negative score is given to the less likely substitutions</a:t>
+            </a:r>
+          </a:p>
+        </p:txBody>
+      </p:sp>
+      <p:pic>
+        <p:nvPicPr>
+          <p:cNvPr id="5" name="Picture 4" descr="A picture containing white&#10;&#10;Description automatically generated">
+            <a:extLst>
+              <a:ext uri="{FF2B5EF4-FFF2-40B4-BE49-F238E27FC236}">
+                <a16:creationId xmlns:a16="http://schemas.microsoft.com/office/drawing/2014/main" id="{25327A84-F6B8-4730-B2DD-1FA054EEF207}"/>
+              </a:ext>
+            </a:extLst>
+          </p:cNvPr>
+          <p:cNvPicPr>
+            <a:picLocks noChangeAspect="1"/>
+          </p:cNvPicPr>
+          <p:nvPr/>
+        </p:nvPicPr>
+        <p:blipFill>
+          <a:blip r:embed="rId2"/>
+          <a:stretch>
+            <a:fillRect/>
+          </a:stretch>
+        </p:blipFill>
+        <p:spPr>
+          <a:xfrm>
+            <a:off x="536792" y="3107078"/>
+            <a:ext cx="11048460" cy="3473190"/>
+          </a:xfrm>
+          <a:prstGeom prst="rect">
+            <a:avLst/>
+          </a:prstGeom>
+        </p:spPr>
+      </p:pic>
+      <p:sp>
+        <p:nvSpPr>
+          <p:cNvPr id="6" name="TextBox 5">
+            <a:extLst>
+              <a:ext uri="{FF2B5EF4-FFF2-40B4-BE49-F238E27FC236}">
+                <a16:creationId xmlns:a16="http://schemas.microsoft.com/office/drawing/2014/main" id="{E560B084-B524-407E-A84D-0F08F5302CCD}"/>
               </a:ext>
             </a:extLst>
           </p:cNvPr>
@@ -5912,8 +5939,8 @@
         </p:nvSpPr>
         <p:spPr>
           <a:xfrm>
-            <a:off x="7884826" y="6488668"/>
-            <a:ext cx="4287185" cy="369332"/>
+            <a:off x="7315200" y="6488668"/>
+            <a:ext cx="4856811" cy="369332"/>
           </a:xfrm>
           <a:prstGeom prst="rect">
             <a:avLst/>
@@ -5929,9 +5956,9 @@
             <a:pPr algn="l"/>
             <a:r>
               <a:rPr lang="en-US" dirty="0">
-                <a:hlinkClick r:id="rId2"/>
+                <a:hlinkClick r:id="rId3"/>
               </a:rPr>
-              <a:t>https://doi.org/10.1186/1471-2105-11-388</a:t>
+              <a:t>https://doi.org/10.1128/jb.178.7.1881-1894.1996 </a:t>
             </a:r>
             <a:endParaRPr lang="en-US" dirty="0"/>
           </a:p>
@@ -5940,7 +5967,7 @@
     </p:spTree>
     <p:extLst>
       <p:ext uri="{BB962C8B-B14F-4D97-AF65-F5344CB8AC3E}">
-        <p14:creationId xmlns:p14="http://schemas.microsoft.com/office/powerpoint/2010/main" val="4246553060"/>
+        <p14:creationId xmlns:p14="http://schemas.microsoft.com/office/powerpoint/2010/main" val="1584438600"/>
       </p:ext>
     </p:extLst>
   </p:cSld>
@@ -5972,7 +5999,7 @@
           <p:cNvPr id="2" name="TextBox 1">
             <a:extLst>
               <a:ext uri="{FF2B5EF4-FFF2-40B4-BE49-F238E27FC236}">
-                <a16:creationId xmlns:a16="http://schemas.microsoft.com/office/drawing/2014/main" id="{8C058870-25BB-48B3-843A-547CE47BC327}"/>
+                <a16:creationId xmlns:a16="http://schemas.microsoft.com/office/drawing/2014/main" id="{DB421D53-E44A-456B-9B6E-E2650C70971C}"/>
               </a:ext>
             </a:extLst>
           </p:cNvPr>
@@ -5981,8 +6008,8 @@
         </p:nvSpPr>
         <p:spPr>
           <a:xfrm>
-            <a:off x="329783" y="434715"/>
-            <a:ext cx="4392118" cy="646331"/>
+            <a:off x="329782" y="419725"/>
+            <a:ext cx="11077733" cy="646331"/>
           </a:xfrm>
           <a:prstGeom prst="rect">
             <a:avLst/>
@@ -5998,7 +6025,7 @@
             <a:pPr algn="l"/>
             <a:r>
               <a:rPr lang="en-US" sz="3600" dirty="0"/>
-              <a:t>Conservation Score:</a:t>
+              <a:t>Conservation Score – substitution matrix</a:t>
             </a:r>
           </a:p>
         </p:txBody>
@@ -6008,7 +6035,7 @@
           <p:cNvPr id="3" name="TextBox 2">
             <a:extLst>
               <a:ext uri="{FF2B5EF4-FFF2-40B4-BE49-F238E27FC236}">
-                <a16:creationId xmlns:a16="http://schemas.microsoft.com/office/drawing/2014/main" id="{48A43702-F0B4-4F23-8B14-82B4775177E3}"/>
+                <a16:creationId xmlns:a16="http://schemas.microsoft.com/office/drawing/2014/main" id="{A3896A3A-B473-4C58-851B-20BE61BCA0F5}"/>
               </a:ext>
             </a:extLst>
           </p:cNvPr>
@@ -6017,8 +6044,8 @@
         </p:nvSpPr>
         <p:spPr>
           <a:xfrm>
-            <a:off x="189875" y="1081046"/>
-            <a:ext cx="11812249" cy="5142305"/>
+            <a:off x="614596" y="1212417"/>
+            <a:ext cx="10962807" cy="4832092"/>
           </a:xfrm>
           <a:prstGeom prst="rect">
             <a:avLst/>
@@ -6031,93 +6058,92 @@
           </a:bodyPr>
           <a:lstStyle/>
           <a:p>
-            <a:pPr marL="457200" indent="-457200" algn="l">
-              <a:lnSpc>
-                <a:spcPct val="200000"/>
-              </a:lnSpc>
-              <a:buFont typeface="Arial" panose="020B0604020202020204" pitchFamily="34" charset="0"/>
-              <a:buChar char="•"/>
-            </a:pPr>
+            <a:pPr algn="l"/>
+            <a:r>
+              <a:rPr lang="en-US" sz="2800" b="1" dirty="0"/>
+              <a:t>substitution matrix:</a:t>
+            </a:r>
+            <a:endParaRPr lang="en-US" sz="2800" dirty="0"/>
+          </a:p>
+          <a:p>
+            <a:pPr algn="l"/>
+            <a:endParaRPr lang="en-US" sz="2800" b="1" dirty="0"/>
+          </a:p>
+          <a:p>
+            <a:pPr algn="l"/>
+            <a:r>
+              <a:rPr lang="en-US" sz="2800" b="1" dirty="0"/>
+              <a:t>substitution/mutation based</a:t>
+            </a:r>
+          </a:p>
+          <a:p>
+            <a:pPr algn="l"/>
+            <a:r>
+              <a:rPr lang="en-US" sz="2800" b="1" dirty="0"/>
+              <a:t>distinguish between wildtype and mutant (entropy based algo does not)</a:t>
+            </a:r>
+          </a:p>
+          <a:p>
+            <a:pPr algn="l"/>
+            <a:r>
+              <a:rPr lang="en-US" sz="2800" b="1" dirty="0"/>
+              <a:t>background distribution dependent</a:t>
+            </a:r>
+          </a:p>
+          <a:p>
+            <a:pPr algn="l"/>
+            <a:endParaRPr lang="en-US" sz="2800" b="1" dirty="0"/>
+          </a:p>
+          <a:p>
+            <a:pPr algn="l"/>
+            <a:r>
+              <a:rPr lang="en-US" sz="2800" b="1" dirty="0"/>
+              <a:t>All (A) = All (L) = All (W) = 1.0</a:t>
+            </a:r>
+          </a:p>
+          <a:p>
+            <a:pPr algn="l"/>
+            <a:endParaRPr lang="en-US" sz="2800" b="1" dirty="0"/>
+          </a:p>
+          <a:p>
+            <a:pPr algn="l"/>
+            <a:r>
+              <a:rPr lang="en-US" sz="2800" b="1" dirty="0"/>
+              <a:t>rare </a:t>
+            </a:r>
             <a:r>
               <a:rPr lang="en-US" sz="2800" dirty="0"/>
-              <a:t>Symbol Frequency – count frequencies for each </a:t>
-            </a:r>
-            <a:r>
-              <a:rPr lang="en-US" sz="2800" dirty="0" err="1"/>
-              <a:t>aas</a:t>
+              <a:t>substitution is penalized </a:t>
+            </a:r>
+            <a:r>
+              <a:rPr lang="en-US" sz="2800" b="1" dirty="0"/>
+              <a:t>more </a:t>
             </a:r>
             <a:r>
               <a:rPr lang="en-US" sz="2800" dirty="0"/>
-              <a:t> </a:t>
-            </a:r>
-          </a:p>
-          <a:p>
-            <a:pPr marL="457200" indent="-457200" algn="l">
-              <a:lnSpc>
-                <a:spcPct val="200000"/>
-              </a:lnSpc>
-              <a:buFont typeface="Arial" panose="020B0604020202020204" pitchFamily="34" charset="0"/>
-              <a:buChar char="•"/>
-            </a:pPr>
+              <a:t>than</a:t>
+            </a:r>
+            <a:r>
+              <a:rPr lang="en-US" sz="2800" b="1" dirty="0"/>
+              <a:t> common </a:t>
+            </a:r>
             <a:r>
               <a:rPr lang="en-US" sz="2800" dirty="0"/>
-              <a:t>Entropy – quantify diversity</a:t>
-            </a:r>
-          </a:p>
-          <a:p>
-            <a:pPr marL="457200" indent="-457200" algn="l">
-              <a:lnSpc>
-                <a:spcPct val="200000"/>
-              </a:lnSpc>
-              <a:buFont typeface="Arial" panose="020B0604020202020204" pitchFamily="34" charset="0"/>
-              <a:buChar char="•"/>
-            </a:pPr>
-            <a:r>
-              <a:rPr lang="en-US" sz="2800" dirty="0"/>
-              <a:t>JSD – the similarity of diversity with BLOSUM62 (relaxed)</a:t>
-            </a:r>
-          </a:p>
-          <a:p>
-            <a:pPr marL="457200" indent="-457200" algn="l">
-              <a:lnSpc>
-                <a:spcPct val="200000"/>
-              </a:lnSpc>
-              <a:buFont typeface="Arial" panose="020B0604020202020204" pitchFamily="34" charset="0"/>
-              <a:buChar char="•"/>
-            </a:pPr>
-            <a:r>
-              <a:rPr lang="en-US" sz="2800" dirty="0" err="1"/>
-              <a:t>Stereochemically</a:t>
-            </a:r>
-            <a:r>
-              <a:rPr lang="en-US" sz="2800" dirty="0"/>
-              <a:t> Sensitive Entropy – stereochemical property of the diversity</a:t>
-            </a:r>
-          </a:p>
-          <a:p>
-            <a:pPr marL="457200" indent="-457200" algn="l">
-              <a:lnSpc>
-                <a:spcPct val="200000"/>
-              </a:lnSpc>
-              <a:buFont typeface="Arial" panose="020B0604020202020204" pitchFamily="34" charset="0"/>
-              <a:buChar char="•"/>
-            </a:pPr>
-            <a:r>
-              <a:rPr lang="en-US" sz="2800" dirty="0"/>
-              <a:t>Phylogeny – whether the diversity happens close to ref strain in evolution</a:t>
-            </a:r>
-          </a:p>
-          <a:p>
-            <a:pPr marL="457200" indent="-457200" algn="l">
-              <a:lnSpc>
-                <a:spcPct val="200000"/>
-              </a:lnSpc>
-              <a:buFont typeface="Arial" panose="020B0604020202020204" pitchFamily="34" charset="0"/>
-              <a:buChar char="•"/>
-            </a:pPr>
-            <a:r>
-              <a:rPr lang="en-US" sz="2800" dirty="0"/>
-              <a:t>Substitution Matrix – likeliness of existing substitution</a:t>
+              <a:t>substitution</a:t>
+            </a:r>
+          </a:p>
+          <a:p>
+            <a:pPr algn="l"/>
+            <a:r>
+              <a:rPr lang="en-US" sz="2800" b="1" dirty="0"/>
+              <a:t>pure random &gt; 0.0</a:t>
+            </a:r>
+          </a:p>
+          <a:p>
+            <a:pPr algn="l"/>
+            <a:r>
+              <a:rPr lang="en-US" sz="2800" b="1" dirty="0"/>
+              <a:t>All (the most unlikely substitution) = 0.0</a:t>
             </a:r>
           </a:p>
         </p:txBody>
@@ -6125,7 +6151,7 @@
     </p:spTree>
     <p:extLst>
       <p:ext uri="{BB962C8B-B14F-4D97-AF65-F5344CB8AC3E}">
-        <p14:creationId xmlns:p14="http://schemas.microsoft.com/office/powerpoint/2010/main" val="2276214574"/>
+        <p14:creationId xmlns:p14="http://schemas.microsoft.com/office/powerpoint/2010/main" val="2438360996"/>
       </p:ext>
     </p:extLst>
   </p:cSld>
@@ -6157,7 +6183,7 @@
           <p:cNvPr id="2" name="TextBox 1">
             <a:extLst>
               <a:ext uri="{FF2B5EF4-FFF2-40B4-BE49-F238E27FC236}">
-                <a16:creationId xmlns:a16="http://schemas.microsoft.com/office/drawing/2014/main" id="{9B9D0F56-B84C-4B0E-8E88-7FB453B443B6}"/>
+                <a16:creationId xmlns:a16="http://schemas.microsoft.com/office/drawing/2014/main" id="{70FBDCAE-FA54-49DF-BCCF-77A691EEBBD7}"/>
               </a:ext>
             </a:extLst>
           </p:cNvPr>
@@ -6166,7 +6192,7 @@
         </p:nvSpPr>
         <p:spPr>
           <a:xfrm>
-            <a:off x="329783" y="434715"/>
+            <a:off x="374753" y="323165"/>
             <a:ext cx="4392118" cy="646331"/>
           </a:xfrm>
           <a:prstGeom prst="rect">
@@ -6183,7 +6209,7 @@
             <a:pPr algn="l"/>
             <a:r>
               <a:rPr lang="en-US" sz="3600" dirty="0"/>
-              <a:t>Gap Penalty:</a:t>
+              <a:t>Motif match:</a:t>
             </a:r>
           </a:p>
         </p:txBody>
@@ -6193,7 +6219,7 @@
           <p:cNvPr id="3" name="TextBox 2">
             <a:extLst>
               <a:ext uri="{FF2B5EF4-FFF2-40B4-BE49-F238E27FC236}">
-                <a16:creationId xmlns:a16="http://schemas.microsoft.com/office/drawing/2014/main" id="{8F5F412B-862B-4950-8D45-2627DCEF574F}"/>
+                <a16:creationId xmlns:a16="http://schemas.microsoft.com/office/drawing/2014/main" id="{283E78BD-866D-4B3E-AFEE-C70E2B70836D}"/>
               </a:ext>
             </a:extLst>
           </p:cNvPr>
@@ -6202,7 +6228,7 @@
         </p:nvSpPr>
         <p:spPr>
           <a:xfrm>
-            <a:off x="104931" y="1320888"/>
+            <a:off x="52465" y="1365859"/>
             <a:ext cx="12087069" cy="5196166"/>
           </a:xfrm>
           <a:prstGeom prst="rect">
@@ -6225,7 +6251,23 @@
             </a:pPr>
             <a:r>
               <a:rPr lang="en-US" sz="2800" dirty="0"/>
-              <a:t>Calculate the number of nonstandard amino acids (such as ‘‘–’’, ‘‘X’’, ‘‘Z’’, ‘‘B’’) at the alignment position – NS</a:t>
+              <a:t>input pattern is matched using </a:t>
+            </a:r>
+            <a:r>
+              <a:rPr lang="en-US" sz="2800" dirty="0" err="1"/>
+              <a:t>gregexpr</a:t>
+            </a:r>
+            <a:r>
+              <a:rPr lang="en-US" sz="2800" dirty="0"/>
+              <a:t>() in the base R package, with </a:t>
+            </a:r>
+            <a:r>
+              <a:rPr lang="en-US" sz="2800" dirty="0" err="1"/>
+              <a:t>perl</a:t>
+            </a:r>
+            <a:r>
+              <a:rPr lang="en-US" sz="2800" dirty="0"/>
+              <a:t>=T, and the (?=...), positive look-ahead assertion – motif will be converted to (?=motif) for matching</a:t>
             </a:r>
           </a:p>
           <a:p>
@@ -6238,8 +6280,13 @@
             </a:pPr>
             <a:r>
               <a:rPr lang="en-US" sz="2800" dirty="0"/>
-              <a:t>Divided NS by the number of strains in the database (=1012) to get the percentage of nonstandard amino acids at this alignment position – P-NS</a:t>
-            </a:r>
+              <a:t>do not support flexible length regular expression </a:t>
+            </a:r>
+            <a:r>
+              <a:rPr lang="en-US" sz="2800"/>
+              <a:t>search currently</a:t>
+            </a:r>
+            <a:endParaRPr lang="en-US" sz="2800" dirty="0"/>
           </a:p>
           <a:p>
             <a:pPr marL="457200" indent="-457200" algn="l">
@@ -6251,11 +6298,11 @@
             </a:pPr>
             <a:r>
               <a:rPr lang="en-US" sz="2800" dirty="0"/>
-              <a:t>Gap penalty corrected conservation score = non-corrected score x P-NS</a:t>
-            </a:r>
-          </a:p>
-          <a:p>
-            <a:pPr marL="457200" indent="-457200" algn="l">
+              <a:t>some common use examples</a:t>
+            </a:r>
+          </a:p>
+          <a:p>
+            <a:pPr marL="1371600" lvl="2" indent="-457200">
               <a:lnSpc>
                 <a:spcPct val="150000"/>
               </a:lnSpc>
@@ -6264,7 +6311,33 @@
             </a:pPr>
             <a:r>
               <a:rPr lang="en-US" sz="2800" dirty="0"/>
-              <a:t>All entropy-based scores can incorporate gap penalty. Substitution matrix inherently calculated based on how the algorithm works. Therefore, the choice of gap penalty would affect all scores but not substitution matrix.</a:t>
+              <a:t>[ABC] – matches A or B or C</a:t>
+            </a:r>
+          </a:p>
+          <a:p>
+            <a:pPr marL="1371600" lvl="2" indent="-457200">
+              <a:lnSpc>
+                <a:spcPct val="150000"/>
+              </a:lnSpc>
+              <a:buFont typeface="Arial" panose="020B0604020202020204" pitchFamily="34" charset="0"/>
+              <a:buChar char="•"/>
+            </a:pPr>
+            <a:r>
+              <a:rPr lang="en-US" sz="2800" dirty="0"/>
+              <a:t>[^ABC] – matches anything except A, B, or C</a:t>
+            </a:r>
+          </a:p>
+          <a:p>
+            <a:pPr marL="1371600" lvl="2" indent="-457200">
+              <a:lnSpc>
+                <a:spcPct val="150000"/>
+              </a:lnSpc>
+              <a:buFont typeface="Arial" panose="020B0604020202020204" pitchFamily="34" charset="0"/>
+              <a:buChar char="•"/>
+            </a:pPr>
+            <a:r>
+              <a:rPr lang="en-US" sz="2800" dirty="0"/>
+              <a:t>. – matches anything once</a:t>
             </a:r>
           </a:p>
         </p:txBody>
@@ -6272,7 +6345,7 @@
     </p:spTree>
     <p:extLst>
       <p:ext uri="{BB962C8B-B14F-4D97-AF65-F5344CB8AC3E}">
-        <p14:creationId xmlns:p14="http://schemas.microsoft.com/office/powerpoint/2010/main" val="1822330038"/>
+        <p14:creationId xmlns:p14="http://schemas.microsoft.com/office/powerpoint/2010/main" val="3673960346"/>
       </p:ext>
     </p:extLst>
   </p:cSld>
@@ -6283,6 +6356,420 @@
 </file>
 
 <file path=ppt/slides/slide20.xml><?xml version="1.0" encoding="utf-8"?>
+<p:sld xmlns:a="http://schemas.openxmlformats.org/drawingml/2006/main" xmlns:r="http://schemas.openxmlformats.org/officeDocument/2006/relationships" xmlns:p="http://schemas.openxmlformats.org/presentationml/2006/main">
+  <p:cSld>
+    <p:spTree>
+      <p:nvGrpSpPr>
+        <p:cNvPr id="1" name=""/>
+        <p:cNvGrpSpPr/>
+        <p:nvPr/>
+      </p:nvGrpSpPr>
+      <p:grpSpPr>
+        <a:xfrm>
+          <a:off x="0" y="0"/>
+          <a:ext cx="0" cy="0"/>
+          <a:chOff x="0" y="0"/>
+          <a:chExt cx="0" cy="0"/>
+        </a:xfrm>
+      </p:grpSpPr>
+      <p:sp>
+        <p:nvSpPr>
+          <p:cNvPr id="2" name="TextBox 1">
+            <a:extLst>
+              <a:ext uri="{FF2B5EF4-FFF2-40B4-BE49-F238E27FC236}">
+                <a16:creationId xmlns:a16="http://schemas.microsoft.com/office/drawing/2014/main" id="{8C058870-25BB-48B3-843A-547CE47BC327}"/>
+              </a:ext>
+            </a:extLst>
+          </p:cNvPr>
+          <p:cNvSpPr txBox="1"/>
+          <p:nvPr/>
+        </p:nvSpPr>
+        <p:spPr>
+          <a:xfrm>
+            <a:off x="329783" y="434715"/>
+            <a:ext cx="4392118" cy="646331"/>
+          </a:xfrm>
+          <a:prstGeom prst="rect">
+            <a:avLst/>
+          </a:prstGeom>
+          <a:noFill/>
+        </p:spPr>
+        <p:txBody>
+          <a:bodyPr wrap="square" rtlCol="0">
+            <a:spAutoFit/>
+          </a:bodyPr>
+          <a:lstStyle/>
+          <a:p>
+            <a:pPr algn="l"/>
+            <a:r>
+              <a:rPr lang="en-US" sz="3600" dirty="0"/>
+              <a:t>Conservation Score:</a:t>
+            </a:r>
+          </a:p>
+        </p:txBody>
+      </p:sp>
+      <p:sp>
+        <p:nvSpPr>
+          <p:cNvPr id="3" name="TextBox 2">
+            <a:extLst>
+              <a:ext uri="{FF2B5EF4-FFF2-40B4-BE49-F238E27FC236}">
+                <a16:creationId xmlns:a16="http://schemas.microsoft.com/office/drawing/2014/main" id="{48A43702-F0B4-4F23-8B14-82B4775177E3}"/>
+              </a:ext>
+            </a:extLst>
+          </p:cNvPr>
+          <p:cNvSpPr txBox="1"/>
+          <p:nvPr/>
+        </p:nvSpPr>
+        <p:spPr>
+          <a:xfrm>
+            <a:off x="189875" y="1081046"/>
+            <a:ext cx="11812249" cy="5142305"/>
+          </a:xfrm>
+          <a:prstGeom prst="rect">
+            <a:avLst/>
+          </a:prstGeom>
+          <a:noFill/>
+        </p:spPr>
+        <p:txBody>
+          <a:bodyPr wrap="square" rtlCol="0">
+            <a:spAutoFit/>
+          </a:bodyPr>
+          <a:lstStyle/>
+          <a:p>
+            <a:pPr marL="457200" indent="-457200" algn="l">
+              <a:lnSpc>
+                <a:spcPct val="200000"/>
+              </a:lnSpc>
+              <a:buFont typeface="Arial" panose="020B0604020202020204" pitchFamily="34" charset="0"/>
+              <a:buChar char="•"/>
+            </a:pPr>
+            <a:r>
+              <a:rPr lang="en-US" sz="2800" dirty="0"/>
+              <a:t>Symbol Frequency – count frequencies for each </a:t>
+            </a:r>
+            <a:r>
+              <a:rPr lang="en-US" sz="2800" dirty="0" err="1"/>
+              <a:t>aas</a:t>
+            </a:r>
+            <a:r>
+              <a:rPr lang="en-US" sz="2800" dirty="0"/>
+              <a:t> </a:t>
+            </a:r>
+          </a:p>
+          <a:p>
+            <a:pPr marL="457200" indent="-457200" algn="l">
+              <a:lnSpc>
+                <a:spcPct val="200000"/>
+              </a:lnSpc>
+              <a:buFont typeface="Arial" panose="020B0604020202020204" pitchFamily="34" charset="0"/>
+              <a:buChar char="•"/>
+            </a:pPr>
+            <a:r>
+              <a:rPr lang="en-US" sz="2800" dirty="0"/>
+              <a:t>Entropy – quantify diversity</a:t>
+            </a:r>
+          </a:p>
+          <a:p>
+            <a:pPr marL="457200" indent="-457200" algn="l">
+              <a:lnSpc>
+                <a:spcPct val="200000"/>
+              </a:lnSpc>
+              <a:buFont typeface="Arial" panose="020B0604020202020204" pitchFamily="34" charset="0"/>
+              <a:buChar char="•"/>
+            </a:pPr>
+            <a:r>
+              <a:rPr lang="en-US" sz="2800" dirty="0"/>
+              <a:t>JSD – quantify diversity with biology info</a:t>
+            </a:r>
+          </a:p>
+          <a:p>
+            <a:pPr marL="457200" indent="-457200" algn="l">
+              <a:lnSpc>
+                <a:spcPct val="200000"/>
+              </a:lnSpc>
+              <a:buFont typeface="Arial" panose="020B0604020202020204" pitchFamily="34" charset="0"/>
+              <a:buChar char="•"/>
+            </a:pPr>
+            <a:r>
+              <a:rPr lang="en-US" sz="2800" dirty="0" err="1"/>
+              <a:t>Stereochemically</a:t>
+            </a:r>
+            <a:r>
+              <a:rPr lang="en-US" sz="2800" dirty="0"/>
+              <a:t> Sensitive Entropy – quantify diversity with biochemical info </a:t>
+            </a:r>
+          </a:p>
+          <a:p>
+            <a:pPr marL="457200" indent="-457200" algn="l">
+              <a:lnSpc>
+                <a:spcPct val="200000"/>
+              </a:lnSpc>
+              <a:buFont typeface="Arial" panose="020B0604020202020204" pitchFamily="34" charset="0"/>
+              <a:buChar char="•"/>
+            </a:pPr>
+            <a:r>
+              <a:rPr lang="en-US" sz="2800" dirty="0"/>
+              <a:t>Phylogeny – quantify diversity weighted by </a:t>
+            </a:r>
+            <a:r>
+              <a:rPr lang="en-US" sz="2800"/>
+              <a:t>evolutionary distance</a:t>
+            </a:r>
+            <a:endParaRPr lang="en-US" sz="2800" dirty="0"/>
+          </a:p>
+          <a:p>
+            <a:pPr marL="457200" indent="-457200" algn="l">
+              <a:lnSpc>
+                <a:spcPct val="200000"/>
+              </a:lnSpc>
+              <a:buFont typeface="Arial" panose="020B0604020202020204" pitchFamily="34" charset="0"/>
+              <a:buChar char="•"/>
+            </a:pPr>
+            <a:r>
+              <a:rPr lang="en-US" sz="2800" dirty="0"/>
+              <a:t>Substitution Matrix – quantify likeliness of existing substitution</a:t>
+            </a:r>
+          </a:p>
+        </p:txBody>
+      </p:sp>
+      <p:sp>
+        <p:nvSpPr>
+          <p:cNvPr id="4" name="TextBox 3">
+            <a:extLst>
+              <a:ext uri="{FF2B5EF4-FFF2-40B4-BE49-F238E27FC236}">
+                <a16:creationId xmlns:a16="http://schemas.microsoft.com/office/drawing/2014/main" id="{7DD00701-44DA-4CE1-8D5C-0111B28F0BAD}"/>
+              </a:ext>
+            </a:extLst>
+          </p:cNvPr>
+          <p:cNvSpPr txBox="1"/>
+          <p:nvPr/>
+        </p:nvSpPr>
+        <p:spPr>
+          <a:xfrm>
+            <a:off x="7884826" y="6488668"/>
+            <a:ext cx="4287185" cy="369332"/>
+          </a:xfrm>
+          <a:prstGeom prst="rect">
+            <a:avLst/>
+          </a:prstGeom>
+          <a:noFill/>
+        </p:spPr>
+        <p:txBody>
+          <a:bodyPr wrap="square" rtlCol="0">
+            <a:spAutoFit/>
+          </a:bodyPr>
+          <a:lstStyle/>
+          <a:p>
+            <a:pPr algn="l"/>
+            <a:r>
+              <a:rPr lang="en-US" dirty="0">
+                <a:hlinkClick r:id="rId2"/>
+              </a:rPr>
+              <a:t>https://doi.org/10.1186/1471-2105-11-388</a:t>
+            </a:r>
+            <a:endParaRPr lang="en-US" dirty="0"/>
+          </a:p>
+        </p:txBody>
+      </p:sp>
+    </p:spTree>
+    <p:extLst>
+      <p:ext uri="{BB962C8B-B14F-4D97-AF65-F5344CB8AC3E}">
+        <p14:creationId xmlns:p14="http://schemas.microsoft.com/office/powerpoint/2010/main" val="4246553060"/>
+      </p:ext>
+    </p:extLst>
+  </p:cSld>
+  <p:clrMapOvr>
+    <a:masterClrMapping/>
+  </p:clrMapOvr>
+</p:sld>
+</file>
+
+<file path=ppt/slides/slide21.xml><?xml version="1.0" encoding="utf-8"?>
+<p:sld xmlns:a="http://schemas.openxmlformats.org/drawingml/2006/main" xmlns:r="http://schemas.openxmlformats.org/officeDocument/2006/relationships" xmlns:p="http://schemas.openxmlformats.org/presentationml/2006/main">
+  <p:cSld>
+    <p:spTree>
+      <p:nvGrpSpPr>
+        <p:cNvPr id="1" name=""/>
+        <p:cNvGrpSpPr/>
+        <p:nvPr/>
+      </p:nvGrpSpPr>
+      <p:grpSpPr>
+        <a:xfrm>
+          <a:off x="0" y="0"/>
+          <a:ext cx="0" cy="0"/>
+          <a:chOff x="0" y="0"/>
+          <a:chExt cx="0" cy="0"/>
+        </a:xfrm>
+      </p:grpSpPr>
+      <p:sp>
+        <p:nvSpPr>
+          <p:cNvPr id="2" name="TextBox 1">
+            <a:extLst>
+              <a:ext uri="{FF2B5EF4-FFF2-40B4-BE49-F238E27FC236}">
+                <a16:creationId xmlns:a16="http://schemas.microsoft.com/office/drawing/2014/main" id="{8C058870-25BB-48B3-843A-547CE47BC327}"/>
+              </a:ext>
+            </a:extLst>
+          </p:cNvPr>
+          <p:cNvSpPr txBox="1"/>
+          <p:nvPr/>
+        </p:nvSpPr>
+        <p:spPr>
+          <a:xfrm>
+            <a:off x="329783" y="434715"/>
+            <a:ext cx="4392118" cy="646331"/>
+          </a:xfrm>
+          <a:prstGeom prst="rect">
+            <a:avLst/>
+          </a:prstGeom>
+          <a:noFill/>
+        </p:spPr>
+        <p:txBody>
+          <a:bodyPr wrap="square" rtlCol="0">
+            <a:spAutoFit/>
+          </a:bodyPr>
+          <a:lstStyle/>
+          <a:p>
+            <a:pPr algn="l"/>
+            <a:r>
+              <a:rPr lang="en-US" sz="3600" dirty="0"/>
+              <a:t>Conservation Score:</a:t>
+            </a:r>
+          </a:p>
+        </p:txBody>
+      </p:sp>
+      <p:sp>
+        <p:nvSpPr>
+          <p:cNvPr id="3" name="TextBox 2">
+            <a:extLst>
+              <a:ext uri="{FF2B5EF4-FFF2-40B4-BE49-F238E27FC236}">
+                <a16:creationId xmlns:a16="http://schemas.microsoft.com/office/drawing/2014/main" id="{48A43702-F0B4-4F23-8B14-82B4775177E3}"/>
+              </a:ext>
+            </a:extLst>
+          </p:cNvPr>
+          <p:cNvSpPr txBox="1"/>
+          <p:nvPr/>
+        </p:nvSpPr>
+        <p:spPr>
+          <a:xfrm>
+            <a:off x="189875" y="1081046"/>
+            <a:ext cx="11812249" cy="5142305"/>
+          </a:xfrm>
+          <a:prstGeom prst="rect">
+            <a:avLst/>
+          </a:prstGeom>
+          <a:noFill/>
+        </p:spPr>
+        <p:txBody>
+          <a:bodyPr wrap="square" rtlCol="0">
+            <a:spAutoFit/>
+          </a:bodyPr>
+          <a:lstStyle/>
+          <a:p>
+            <a:pPr marL="457200" indent="-457200" algn="l">
+              <a:lnSpc>
+                <a:spcPct val="200000"/>
+              </a:lnSpc>
+              <a:buFont typeface="Arial" panose="020B0604020202020204" pitchFamily="34" charset="0"/>
+              <a:buChar char="•"/>
+            </a:pPr>
+            <a:r>
+              <a:rPr lang="en-US" sz="2800" dirty="0"/>
+              <a:t>Symbol Frequency – count frequencies for each </a:t>
+            </a:r>
+            <a:r>
+              <a:rPr lang="en-US" sz="2800" dirty="0" err="1"/>
+              <a:t>aas</a:t>
+            </a:r>
+            <a:r>
+              <a:rPr lang="en-US" sz="2800" dirty="0"/>
+              <a:t> </a:t>
+            </a:r>
+          </a:p>
+          <a:p>
+            <a:pPr marL="457200" indent="-457200" algn="l">
+              <a:lnSpc>
+                <a:spcPct val="200000"/>
+              </a:lnSpc>
+              <a:buFont typeface="Arial" panose="020B0604020202020204" pitchFamily="34" charset="0"/>
+              <a:buChar char="•"/>
+            </a:pPr>
+            <a:r>
+              <a:rPr lang="en-US" sz="2800" dirty="0"/>
+              <a:t>Entropy – quantify diversity</a:t>
+            </a:r>
+          </a:p>
+          <a:p>
+            <a:pPr marL="457200" indent="-457200" algn="l">
+              <a:lnSpc>
+                <a:spcPct val="200000"/>
+              </a:lnSpc>
+              <a:buFont typeface="Arial" panose="020B0604020202020204" pitchFamily="34" charset="0"/>
+              <a:buChar char="•"/>
+            </a:pPr>
+            <a:r>
+              <a:rPr lang="en-US" sz="2800" dirty="0"/>
+              <a:t>JSD – the similarity of diversity with BLOSUM62 (relaxed)</a:t>
+            </a:r>
+          </a:p>
+          <a:p>
+            <a:pPr marL="457200" indent="-457200" algn="l">
+              <a:lnSpc>
+                <a:spcPct val="200000"/>
+              </a:lnSpc>
+              <a:buFont typeface="Arial" panose="020B0604020202020204" pitchFamily="34" charset="0"/>
+              <a:buChar char="•"/>
+            </a:pPr>
+            <a:r>
+              <a:rPr lang="en-US" sz="2800" dirty="0" err="1"/>
+              <a:t>Stereochemically</a:t>
+            </a:r>
+            <a:r>
+              <a:rPr lang="en-US" sz="2800" dirty="0"/>
+              <a:t> Sensitive Entropy – stereochemical property of the diversity</a:t>
+            </a:r>
+          </a:p>
+          <a:p>
+            <a:pPr marL="457200" indent="-457200" algn="l">
+              <a:lnSpc>
+                <a:spcPct val="200000"/>
+              </a:lnSpc>
+              <a:buFont typeface="Arial" panose="020B0604020202020204" pitchFamily="34" charset="0"/>
+              <a:buChar char="•"/>
+            </a:pPr>
+            <a:r>
+              <a:rPr lang="en-US" sz="2800" dirty="0"/>
+              <a:t>Phylogeny – whether the diversity happens close to ref strain in evolution</a:t>
+            </a:r>
+          </a:p>
+          <a:p>
+            <a:pPr marL="457200" indent="-457200" algn="l">
+              <a:lnSpc>
+                <a:spcPct val="200000"/>
+              </a:lnSpc>
+              <a:buFont typeface="Arial" panose="020B0604020202020204" pitchFamily="34" charset="0"/>
+              <a:buChar char="•"/>
+            </a:pPr>
+            <a:r>
+              <a:rPr lang="en-US" sz="2800" dirty="0"/>
+              <a:t>Substitution Matrix – likeliness of existing substitution</a:t>
+            </a:r>
+          </a:p>
+        </p:txBody>
+      </p:sp>
+    </p:spTree>
+    <p:extLst>
+      <p:ext uri="{BB962C8B-B14F-4D97-AF65-F5344CB8AC3E}">
+        <p14:creationId xmlns:p14="http://schemas.microsoft.com/office/powerpoint/2010/main" val="2276214574"/>
+      </p:ext>
+    </p:extLst>
+  </p:cSld>
+  <p:clrMapOvr>
+    <a:masterClrMapping/>
+  </p:clrMapOvr>
+</p:sld>
+</file>
+
+<file path=ppt/slides/slide22.xml><?xml version="1.0" encoding="utf-8"?>
 <p:sld xmlns:a="http://schemas.openxmlformats.org/drawingml/2006/main" xmlns:r="http://schemas.openxmlformats.org/officeDocument/2006/relationships" xmlns:p="http://schemas.openxmlformats.org/presentationml/2006/main">
   <p:cSld>
     <p:spTree>
@@ -6406,7 +6893,7 @@
           <p:cNvPr id="2" name="TextBox 1">
             <a:extLst>
               <a:ext uri="{FF2B5EF4-FFF2-40B4-BE49-F238E27FC236}">
-                <a16:creationId xmlns:a16="http://schemas.microsoft.com/office/drawing/2014/main" id="{E89276E6-7B9B-4120-B54E-DD982F52F76D}"/>
+                <a16:creationId xmlns:a16="http://schemas.microsoft.com/office/drawing/2014/main" id="{54B6670A-2238-4298-B709-5ADA744A9445}"/>
               </a:ext>
             </a:extLst>
           </p:cNvPr>
@@ -6415,8 +6902,8 @@
         </p:nvSpPr>
         <p:spPr>
           <a:xfrm>
-            <a:off x="329783" y="434715"/>
-            <a:ext cx="4392118" cy="646331"/>
+            <a:off x="127416" y="1551563"/>
+            <a:ext cx="11937168" cy="3754874"/>
           </a:xfrm>
           <a:prstGeom prst="rect">
             <a:avLst/>
@@ -6429,43 +6916,18 @@
           </a:bodyPr>
           <a:lstStyle/>
           <a:p>
-            <a:pPr algn="l"/>
-            <a:r>
-              <a:rPr lang="en-US" sz="3600" dirty="0"/>
-              <a:t>Insertion:</a:t>
-            </a:r>
-          </a:p>
-        </p:txBody>
-      </p:sp>
-      <p:sp>
-        <p:nvSpPr>
-          <p:cNvPr id="3" name="TextBox 2">
-            <a:extLst>
-              <a:ext uri="{FF2B5EF4-FFF2-40B4-BE49-F238E27FC236}">
-                <a16:creationId xmlns:a16="http://schemas.microsoft.com/office/drawing/2014/main" id="{9E66D36C-AABF-43DD-9DBD-49B4D92ADAE5}"/>
-              </a:ext>
-            </a:extLst>
-          </p:cNvPr>
-          <p:cNvSpPr txBox="1"/>
-          <p:nvPr/>
-        </p:nvSpPr>
-        <p:spPr>
-          <a:xfrm>
-            <a:off x="104931" y="1227119"/>
-            <a:ext cx="12087069" cy="5196166"/>
-          </a:xfrm>
-          <a:prstGeom prst="rect">
-            <a:avLst/>
-          </a:prstGeom>
-          <a:noFill/>
-        </p:spPr>
-        <p:txBody>
-          <a:bodyPr wrap="square" rtlCol="0">
-            <a:spAutoFit/>
-          </a:bodyPr>
-          <a:lstStyle/>
-          <a:p>
-            <a:pPr marL="457200" indent="-457200" algn="l">
+            <a:pPr marL="0" lvl="2">
+              <a:lnSpc>
+                <a:spcPct val="150000"/>
+              </a:lnSpc>
+            </a:pPr>
+            <a:r>
+              <a:rPr lang="en-US" sz="2800" dirty="0"/>
+              <a:t>for further details please refer to the following links:</a:t>
+            </a:r>
+          </a:p>
+          <a:p>
+            <a:pPr marL="914400" lvl="3" indent="-457200">
               <a:lnSpc>
                 <a:spcPct val="150000"/>
               </a:lnSpc>
@@ -6473,22 +6935,31 @@
               <a:buChar char="•"/>
             </a:pPr>
             <a:r>
-              <a:rPr lang="en-US" sz="2800" dirty="0"/>
-              <a:t>Only calculated if the motif match in the reference strain is split by gap sign ‘-’ in the multi-sequence alignment results (match return ‘QQ - - Q’ instead of ‘QQQ’). This indicates there is at least one insertion event happens within the motif among the 1012 strains in the database.</a:t>
-            </a:r>
-          </a:p>
-          <a:p>
-            <a:pPr marL="457200" indent="-457200" algn="l">
+              <a:rPr lang="en-US" sz="2800" dirty="0">
+                <a:hlinkClick r:id="rId2"/>
+              </a:rPr>
+              <a:t>https://stat.ethz.ch/R-manual/R-devel/library/base/html/regex.html</a:t>
+            </a:r>
+            <a:endParaRPr lang="en-US" sz="2800" dirty="0"/>
+          </a:p>
+          <a:p>
+            <a:pPr marL="914400" lvl="3" indent="-457200">
               <a:lnSpc>
                 <a:spcPct val="150000"/>
               </a:lnSpc>
               <a:buFont typeface="Arial" panose="020B0604020202020204" pitchFamily="34" charset="0"/>
               <a:buChar char="•"/>
             </a:pPr>
+            <a:r>
+              <a:rPr lang="en-US" sz="2800" dirty="0">
+                <a:hlinkClick r:id="rId3"/>
+              </a:rPr>
+              <a:t>https://cran.r-project.org/web/packages/stringr/vignettes/regular-expressions.html</a:t>
+            </a:r>
             <a:endParaRPr lang="en-US" sz="2800" dirty="0"/>
           </a:p>
           <a:p>
-            <a:pPr marL="457200" indent="-457200" algn="l">
+            <a:pPr marL="914400" lvl="3" indent="-457200">
               <a:lnSpc>
                 <a:spcPct val="150000"/>
               </a:lnSpc>
@@ -6496,8 +6967,51 @@
               <a:buChar char="•"/>
             </a:pPr>
             <a:r>
-              <a:rPr lang="en-US" sz="2800" dirty="0"/>
-              <a:t>Insertion score is the percentage of strains that has insertion event (a strain has ‘QQSTQ’ compared with reference strain ‘QQ - - Q’) within the motif among all strains in the database. </a:t>
+              <a:rPr lang="en-US" sz="2800" dirty="0">
+                <a:hlinkClick r:id="rId4"/>
+              </a:rPr>
+              <a:t>https://www.pcre.org/current/doc/html/pcre2syntax.html</a:t>
+            </a:r>
+            <a:endParaRPr lang="en-US" sz="2800" dirty="0"/>
+          </a:p>
+          <a:p>
+            <a:pPr algn="l"/>
+            <a:endParaRPr lang="en-US" sz="2800" dirty="0"/>
+          </a:p>
+        </p:txBody>
+      </p:sp>
+      <p:sp>
+        <p:nvSpPr>
+          <p:cNvPr id="3" name="TextBox 2">
+            <a:extLst>
+              <a:ext uri="{FF2B5EF4-FFF2-40B4-BE49-F238E27FC236}">
+                <a16:creationId xmlns:a16="http://schemas.microsoft.com/office/drawing/2014/main" id="{78D3A284-6175-4818-A888-B11CABF2F0D3}"/>
+              </a:ext>
+            </a:extLst>
+          </p:cNvPr>
+          <p:cNvSpPr txBox="1"/>
+          <p:nvPr/>
+        </p:nvSpPr>
+        <p:spPr>
+          <a:xfrm>
+            <a:off x="374753" y="323165"/>
+            <a:ext cx="4392118" cy="646331"/>
+          </a:xfrm>
+          <a:prstGeom prst="rect">
+            <a:avLst/>
+          </a:prstGeom>
+          <a:noFill/>
+        </p:spPr>
+        <p:txBody>
+          <a:bodyPr wrap="square" rtlCol="0">
+            <a:spAutoFit/>
+          </a:bodyPr>
+          <a:lstStyle/>
+          <a:p>
+            <a:pPr algn="l"/>
+            <a:r>
+              <a:rPr lang="en-US" sz="3600" dirty="0"/>
+              <a:t>Motif match:</a:t>
             </a:r>
           </a:p>
         </p:txBody>
@@ -6505,7 +7019,7 @@
     </p:spTree>
     <p:extLst>
       <p:ext uri="{BB962C8B-B14F-4D97-AF65-F5344CB8AC3E}">
-        <p14:creationId xmlns:p14="http://schemas.microsoft.com/office/powerpoint/2010/main" val="931016751"/>
+        <p14:creationId xmlns:p14="http://schemas.microsoft.com/office/powerpoint/2010/main" val="3101440640"/>
       </p:ext>
     </p:extLst>
   </p:cSld>
@@ -6537,7 +7051,7 @@
           <p:cNvPr id="2" name="TextBox 1">
             <a:extLst>
               <a:ext uri="{FF2B5EF4-FFF2-40B4-BE49-F238E27FC236}">
-                <a16:creationId xmlns:a16="http://schemas.microsoft.com/office/drawing/2014/main" id="{8C058870-25BB-48B3-843A-547CE47BC327}"/>
+                <a16:creationId xmlns:a16="http://schemas.microsoft.com/office/drawing/2014/main" id="{9B9D0F56-B84C-4B0E-8E88-7FB453B443B6}"/>
               </a:ext>
             </a:extLst>
           </p:cNvPr>
@@ -6563,7 +7077,7 @@
             <a:pPr algn="l"/>
             <a:r>
               <a:rPr lang="en-US" sz="3600" dirty="0"/>
-              <a:t>Conservation Score:</a:t>
+              <a:t>Gap Penalty:</a:t>
             </a:r>
           </a:p>
         </p:txBody>
@@ -6573,7 +7087,7 @@
           <p:cNvPr id="3" name="TextBox 2">
             <a:extLst>
               <a:ext uri="{FF2B5EF4-FFF2-40B4-BE49-F238E27FC236}">
-                <a16:creationId xmlns:a16="http://schemas.microsoft.com/office/drawing/2014/main" id="{48A43702-F0B4-4F23-8B14-82B4775177E3}"/>
+                <a16:creationId xmlns:a16="http://schemas.microsoft.com/office/drawing/2014/main" id="{8F5F412B-862B-4950-8D45-2627DCEF574F}"/>
               </a:ext>
             </a:extLst>
           </p:cNvPr>
@@ -6582,8 +7096,8 @@
         </p:nvSpPr>
         <p:spPr>
           <a:xfrm>
-            <a:off x="1723868" y="1393665"/>
-            <a:ext cx="6730584" cy="4280531"/>
+            <a:off x="104931" y="1320888"/>
+            <a:ext cx="12087069" cy="5196166"/>
           </a:xfrm>
           <a:prstGeom prst="rect">
             <a:avLst/>
@@ -6598,70 +7112,53 @@
           <a:p>
             <a:pPr marL="457200" indent="-457200" algn="l">
               <a:lnSpc>
-                <a:spcPct val="200000"/>
+                <a:spcPct val="150000"/>
               </a:lnSpc>
               <a:buFont typeface="Arial" panose="020B0604020202020204" pitchFamily="34" charset="0"/>
               <a:buChar char="•"/>
             </a:pPr>
             <a:r>
               <a:rPr lang="en-US" sz="2800" dirty="0"/>
-              <a:t>Symbol Frequency</a:t>
+              <a:t>Calculate the number of nonstandard amino acids (such as ‘‘–’’, ‘‘X’’, ‘‘Z’’, ‘‘B’’) at the alignment position – NS</a:t>
             </a:r>
           </a:p>
           <a:p>
             <a:pPr marL="457200" indent="-457200" algn="l">
               <a:lnSpc>
-                <a:spcPct val="200000"/>
+                <a:spcPct val="150000"/>
               </a:lnSpc>
               <a:buFont typeface="Arial" panose="020B0604020202020204" pitchFamily="34" charset="0"/>
               <a:buChar char="•"/>
             </a:pPr>
             <a:r>
               <a:rPr lang="en-US" sz="2800" dirty="0"/>
-              <a:t>Entropy</a:t>
+              <a:t>Divided NS by the number of strains in the database (=1012) to get the percentage of nonstandard amino acids at this alignment position – P-NS</a:t>
             </a:r>
           </a:p>
           <a:p>
             <a:pPr marL="457200" indent="-457200" algn="l">
               <a:lnSpc>
-                <a:spcPct val="200000"/>
+                <a:spcPct val="150000"/>
               </a:lnSpc>
               <a:buFont typeface="Arial" panose="020B0604020202020204" pitchFamily="34" charset="0"/>
               <a:buChar char="•"/>
             </a:pPr>
             <a:r>
-              <a:rPr lang="en-US" sz="2800" dirty="0" err="1"/>
-              <a:t>Stereochemically</a:t>
-            </a:r>
-            <a:r>
               <a:rPr lang="en-US" sz="2800" dirty="0"/>
-              <a:t> Sensitive Entropy</a:t>
+              <a:t>Gap penalty corrected conservation score = non-corrected score x P-NS</a:t>
             </a:r>
           </a:p>
           <a:p>
             <a:pPr marL="457200" indent="-457200" algn="l">
               <a:lnSpc>
-                <a:spcPct val="200000"/>
+                <a:spcPct val="150000"/>
               </a:lnSpc>
               <a:buFont typeface="Arial" panose="020B0604020202020204" pitchFamily="34" charset="0"/>
               <a:buChar char="•"/>
             </a:pPr>
             <a:r>
               <a:rPr lang="en-US" sz="2800" dirty="0"/>
-              <a:t>Phylogeny</a:t>
-            </a:r>
-          </a:p>
-          <a:p>
-            <a:pPr marL="457200" indent="-457200" algn="l">
-              <a:lnSpc>
-                <a:spcPct val="200000"/>
-              </a:lnSpc>
-              <a:buFont typeface="Arial" panose="020B0604020202020204" pitchFamily="34" charset="0"/>
-              <a:buChar char="•"/>
-            </a:pPr>
-            <a:r>
-              <a:rPr lang="en-US" sz="2800" dirty="0"/>
-              <a:t>Substitution Matrix</a:t>
+              <a:t>All entropy-based scores can incorporate gap penalty. Substitution matrix inherently calculated based on how the algorithm works. Therefore, the choice of gap penalty would affect all scores but not substitution matrix.</a:t>
             </a:r>
           </a:p>
         </p:txBody>
@@ -6669,7 +7166,7 @@
     </p:spTree>
     <p:extLst>
       <p:ext uri="{BB962C8B-B14F-4D97-AF65-F5344CB8AC3E}">
-        <p14:creationId xmlns:p14="http://schemas.microsoft.com/office/powerpoint/2010/main" val="3673976136"/>
+        <p14:creationId xmlns:p14="http://schemas.microsoft.com/office/powerpoint/2010/main" val="1822330038"/>
       </p:ext>
     </p:extLst>
   </p:cSld>
@@ -6701,7 +7198,7 @@
           <p:cNvPr id="2" name="TextBox 1">
             <a:extLst>
               <a:ext uri="{FF2B5EF4-FFF2-40B4-BE49-F238E27FC236}">
-                <a16:creationId xmlns:a16="http://schemas.microsoft.com/office/drawing/2014/main" id="{2BDFC4FF-A512-4941-8638-89EEE280C706}"/>
+                <a16:creationId xmlns:a16="http://schemas.microsoft.com/office/drawing/2014/main" id="{E89276E6-7B9B-4120-B54E-DD982F52F76D}"/>
               </a:ext>
             </a:extLst>
           </p:cNvPr>
@@ -6710,8 +7207,8 @@
         </p:nvSpPr>
         <p:spPr>
           <a:xfrm>
-            <a:off x="317290" y="479685"/>
-            <a:ext cx="6250899" cy="646331"/>
+            <a:off x="329783" y="434715"/>
+            <a:ext cx="4392118" cy="646331"/>
           </a:xfrm>
           <a:prstGeom prst="rect">
             <a:avLst/>
@@ -6727,7 +7224,7 @@
             <a:pPr algn="l"/>
             <a:r>
               <a:rPr lang="en-US" sz="3600" dirty="0"/>
-              <a:t>Background:</a:t>
+              <a:t>Insertion:</a:t>
             </a:r>
           </a:p>
         </p:txBody>
@@ -6737,7 +7234,7 @@
           <p:cNvPr id="3" name="TextBox 2">
             <a:extLst>
               <a:ext uri="{FF2B5EF4-FFF2-40B4-BE49-F238E27FC236}">
-                <a16:creationId xmlns:a16="http://schemas.microsoft.com/office/drawing/2014/main" id="{40CEB5EF-D974-421B-A89D-92426E5E588B}"/>
+                <a16:creationId xmlns:a16="http://schemas.microsoft.com/office/drawing/2014/main" id="{9E66D36C-AABF-43DD-9DBD-49B4D92ADAE5}"/>
               </a:ext>
             </a:extLst>
           </p:cNvPr>
@@ -6746,8 +7243,8 @@
         </p:nvSpPr>
         <p:spPr>
           <a:xfrm>
-            <a:off x="620217" y="1288734"/>
-            <a:ext cx="11571783" cy="4280531"/>
+            <a:off x="104931" y="1227119"/>
+            <a:ext cx="12087069" cy="5196166"/>
           </a:xfrm>
           <a:prstGeom prst="rect">
             <a:avLst/>
@@ -6762,61 +7259,37 @@
           <a:p>
             <a:pPr marL="457200" indent="-457200" algn="l">
               <a:lnSpc>
-                <a:spcPct val="200000"/>
+                <a:spcPct val="150000"/>
               </a:lnSpc>
               <a:buFont typeface="Arial" panose="020B0604020202020204" pitchFamily="34" charset="0"/>
               <a:buChar char="•"/>
             </a:pPr>
             <a:r>
               <a:rPr lang="en-US" sz="2800" dirty="0"/>
-              <a:t>Amino acid sequences of ~6000 genes among 1012 strains (1011 + S288C)</a:t>
+              <a:t>Only calculated if the motif match in the reference strain is split by gap sign ‘-’ in the multi-sequence alignment results (match return ‘QQ - - Q’ instead of ‘QQQ’). This indicates there is at least one insertion event happens within the motif among the 1012 strains in the database.</a:t>
             </a:r>
           </a:p>
           <a:p>
             <a:pPr marL="457200" indent="-457200" algn="l">
               <a:lnSpc>
-                <a:spcPct val="200000"/>
+                <a:spcPct val="150000"/>
               </a:lnSpc>
               <a:buFont typeface="Arial" panose="020B0604020202020204" pitchFamily="34" charset="0"/>
               <a:buChar char="•"/>
             </a:pPr>
-            <a:r>
-              <a:rPr lang="en-US" sz="2800" dirty="0"/>
-              <a:t>For each gene, amino acid sequences are aligned with </a:t>
-            </a:r>
-            <a:r>
-              <a:rPr lang="en-US" sz="2800" dirty="0" err="1"/>
-              <a:t>Clustal</a:t>
-            </a:r>
-            <a:r>
-              <a:rPr lang="en-US" sz="2800" dirty="0"/>
-              <a:t> Omega (insertion, deletion, mutation)</a:t>
-            </a:r>
+            <a:endParaRPr lang="en-US" sz="2800" dirty="0"/>
           </a:p>
           <a:p>
             <a:pPr marL="457200" indent="-457200" algn="l">
               <a:lnSpc>
-                <a:spcPct val="200000"/>
+                <a:spcPct val="150000"/>
               </a:lnSpc>
               <a:buFont typeface="Arial" panose="020B0604020202020204" pitchFamily="34" charset="0"/>
               <a:buChar char="•"/>
             </a:pPr>
             <a:r>
               <a:rPr lang="en-US" sz="2800" dirty="0"/>
-              <a:t>Phylogeny of 1012 strains is calculated based on the SNPs distance</a:t>
-            </a:r>
-          </a:p>
-          <a:p>
-            <a:pPr marL="457200" indent="-457200" algn="l">
-              <a:lnSpc>
-                <a:spcPct val="200000"/>
-              </a:lnSpc>
-              <a:buFont typeface="Arial" panose="020B0604020202020204" pitchFamily="34" charset="0"/>
-              <a:buChar char="•"/>
-            </a:pPr>
-            <a:r>
-              <a:rPr lang="en-US" sz="2800" dirty="0"/>
-              <a:t>Reference frequency and substitution matrix is BLOSUM62</a:t>
+              <a:t>Insertion score is the percentage of strains that has insertion event (a strain has ‘QQSTQ’ compared with reference strain ‘QQ - - Q’) within the motif among all strains in the database. </a:t>
             </a:r>
           </a:p>
         </p:txBody>
@@ -6824,7 +7297,7 @@
     </p:spTree>
     <p:extLst>
       <p:ext uri="{BB962C8B-B14F-4D97-AF65-F5344CB8AC3E}">
-        <p14:creationId xmlns:p14="http://schemas.microsoft.com/office/powerpoint/2010/main" val="270169005"/>
+        <p14:creationId xmlns:p14="http://schemas.microsoft.com/office/powerpoint/2010/main" val="931016751"/>
       </p:ext>
     </p:extLst>
   </p:cSld>
@@ -6865,8 +7338,8 @@
         </p:nvSpPr>
         <p:spPr>
           <a:xfrm>
-            <a:off x="329782" y="419725"/>
-            <a:ext cx="8064709" cy="646331"/>
+            <a:off x="329783" y="434715"/>
+            <a:ext cx="4392118" cy="646331"/>
           </a:xfrm>
           <a:prstGeom prst="rect">
             <a:avLst/>
@@ -6882,17 +7355,17 @@
             <a:pPr algn="l"/>
             <a:r>
               <a:rPr lang="en-US" sz="3600" dirty="0"/>
-              <a:t>Conservation Score – Symbol Frequency</a:t>
-            </a:r>
-          </a:p>
-        </p:txBody>
-      </p:sp>
-      <p:sp>
-        <p:nvSpPr>
-          <p:cNvPr id="4" name="TextBox 3">
-            <a:extLst>
-              <a:ext uri="{FF2B5EF4-FFF2-40B4-BE49-F238E27FC236}">
-                <a16:creationId xmlns:a16="http://schemas.microsoft.com/office/drawing/2014/main" id="{F318CA4D-1A15-4CA9-8D66-6479CC34748D}"/>
+              <a:t>Conservation Score:</a:t>
+            </a:r>
+          </a:p>
+        </p:txBody>
+      </p:sp>
+      <p:sp>
+        <p:nvSpPr>
+          <p:cNvPr id="3" name="TextBox 2">
+            <a:extLst>
+              <a:ext uri="{FF2B5EF4-FFF2-40B4-BE49-F238E27FC236}">
+                <a16:creationId xmlns:a16="http://schemas.microsoft.com/office/drawing/2014/main" id="{48A43702-F0B4-4F23-8B14-82B4775177E3}"/>
               </a:ext>
             </a:extLst>
           </p:cNvPr>
@@ -6901,8 +7374,8 @@
         </p:nvSpPr>
         <p:spPr>
           <a:xfrm>
-            <a:off x="662690" y="3167390"/>
-            <a:ext cx="10504983" cy="523220"/>
+            <a:off x="1723868" y="1393665"/>
+            <a:ext cx="6730584" cy="4280531"/>
           </a:xfrm>
           <a:prstGeom prst="rect">
             <a:avLst/>
@@ -6915,10 +7388,72 @@
           </a:bodyPr>
           <a:lstStyle/>
           <a:p>
-            <a:pPr algn="l"/>
+            <a:pPr marL="457200" indent="-457200" algn="l">
+              <a:lnSpc>
+                <a:spcPct val="200000"/>
+              </a:lnSpc>
+              <a:buFont typeface="Arial" panose="020B0604020202020204" pitchFamily="34" charset="0"/>
+              <a:buChar char="•"/>
+            </a:pPr>
             <a:r>
               <a:rPr lang="en-US" sz="2800" dirty="0"/>
-              <a:t>The frequency of each amino acid among the 1012 strains.</a:t>
+              <a:t>Symbol Frequency</a:t>
+            </a:r>
+          </a:p>
+          <a:p>
+            <a:pPr marL="457200" indent="-457200" algn="l">
+              <a:lnSpc>
+                <a:spcPct val="200000"/>
+              </a:lnSpc>
+              <a:buFont typeface="Arial" panose="020B0604020202020204" pitchFamily="34" charset="0"/>
+              <a:buChar char="•"/>
+            </a:pPr>
+            <a:r>
+              <a:rPr lang="en-US" sz="2800" dirty="0"/>
+              <a:t>Entropy</a:t>
+            </a:r>
+          </a:p>
+          <a:p>
+            <a:pPr marL="457200" indent="-457200" algn="l">
+              <a:lnSpc>
+                <a:spcPct val="200000"/>
+              </a:lnSpc>
+              <a:buFont typeface="Arial" panose="020B0604020202020204" pitchFamily="34" charset="0"/>
+              <a:buChar char="•"/>
+            </a:pPr>
+            <a:r>
+              <a:rPr lang="en-US" sz="2800" dirty="0" err="1"/>
+              <a:t>Stereochemically</a:t>
+            </a:r>
+            <a:r>
+              <a:rPr lang="en-US" sz="2800" dirty="0"/>
+              <a:t> Sensitive Entropy</a:t>
+            </a:r>
+          </a:p>
+          <a:p>
+            <a:pPr marL="457200" indent="-457200" algn="l">
+              <a:lnSpc>
+                <a:spcPct val="200000"/>
+              </a:lnSpc>
+              <a:buFont typeface="Arial" panose="020B0604020202020204" pitchFamily="34" charset="0"/>
+              <a:buChar char="•"/>
+            </a:pPr>
+            <a:r>
+              <a:rPr lang="en-US" sz="2800" dirty="0"/>
+              <a:t>Phylogeny</a:t>
+            </a:r>
+          </a:p>
+          <a:p>
+            <a:pPr marL="457200" indent="-457200" algn="l">
+              <a:lnSpc>
+                <a:spcPct val="200000"/>
+              </a:lnSpc>
+              <a:buFont typeface="Arial" panose="020B0604020202020204" pitchFamily="34" charset="0"/>
+              <a:buChar char="•"/>
+            </a:pPr>
+            <a:r>
+              <a:rPr lang="en-US" sz="2800" dirty="0"/>
+              <a:t>Substitution Matrix</a:t>
             </a:r>
           </a:p>
         </p:txBody>
@@ -6926,7 +7461,7 @@
     </p:spTree>
     <p:extLst>
       <p:ext uri="{BB962C8B-B14F-4D97-AF65-F5344CB8AC3E}">
-        <p14:creationId xmlns:p14="http://schemas.microsoft.com/office/powerpoint/2010/main" val="1675079857"/>
+        <p14:creationId xmlns:p14="http://schemas.microsoft.com/office/powerpoint/2010/main" val="3673976136"/>
       </p:ext>
     </p:extLst>
   </p:cSld>
@@ -6958,7 +7493,7 @@
           <p:cNvPr id="2" name="TextBox 1">
             <a:extLst>
               <a:ext uri="{FF2B5EF4-FFF2-40B4-BE49-F238E27FC236}">
-                <a16:creationId xmlns:a16="http://schemas.microsoft.com/office/drawing/2014/main" id="{8C058870-25BB-48B3-843A-547CE47BC327}"/>
+                <a16:creationId xmlns:a16="http://schemas.microsoft.com/office/drawing/2014/main" id="{2BDFC4FF-A512-4941-8638-89EEE280C706}"/>
               </a:ext>
             </a:extLst>
           </p:cNvPr>
@@ -6967,8 +7502,8 @@
         </p:nvSpPr>
         <p:spPr>
           <a:xfrm>
-            <a:off x="329782" y="254835"/>
-            <a:ext cx="8064709" cy="646331"/>
+            <a:off x="317290" y="479685"/>
+            <a:ext cx="6250899" cy="646331"/>
           </a:xfrm>
           <a:prstGeom prst="rect">
             <a:avLst/>
@@ -6984,17 +7519,17 @@
             <a:pPr algn="l"/>
             <a:r>
               <a:rPr lang="en-US" sz="3600" dirty="0"/>
-              <a:t>Conservation Score – Entropy</a:t>
-            </a:r>
-          </a:p>
-        </p:txBody>
-      </p:sp>
-      <p:sp>
-        <p:nvSpPr>
-          <p:cNvPr id="4" name="TextBox 3">
-            <a:extLst>
-              <a:ext uri="{FF2B5EF4-FFF2-40B4-BE49-F238E27FC236}">
-                <a16:creationId xmlns:a16="http://schemas.microsoft.com/office/drawing/2014/main" id="{F318CA4D-1A15-4CA9-8D66-6479CC34748D}"/>
+              <a:t>Background:</a:t>
+            </a:r>
+          </a:p>
+        </p:txBody>
+      </p:sp>
+      <p:sp>
+        <p:nvSpPr>
+          <p:cNvPr id="3" name="TextBox 2">
+            <a:extLst>
+              <a:ext uri="{FF2B5EF4-FFF2-40B4-BE49-F238E27FC236}">
+                <a16:creationId xmlns:a16="http://schemas.microsoft.com/office/drawing/2014/main" id="{40CEB5EF-D974-421B-A89D-92426E5E588B}"/>
               </a:ext>
             </a:extLst>
           </p:cNvPr>
@@ -7003,8 +7538,8 @@
         </p:nvSpPr>
         <p:spPr>
           <a:xfrm>
-            <a:off x="579619" y="1093167"/>
-            <a:ext cx="10962807" cy="1384995"/>
+            <a:off x="620217" y="1288734"/>
+            <a:ext cx="11571783" cy="4280531"/>
           </a:xfrm>
           <a:prstGeom prst="rect">
             <a:avLst/>
@@ -7017,165 +7552,71 @@
           </a:bodyPr>
           <a:lstStyle/>
           <a:p>
-            <a:pPr algn="l"/>
-            <a:r>
-              <a:rPr lang="en-US" sz="2800" b="1" dirty="0"/>
-              <a:t>Shannon Entropy:</a:t>
-            </a:r>
-          </a:p>
-          <a:p>
-            <a:pPr algn="l"/>
+            <a:pPr marL="457200" indent="-457200" algn="l">
+              <a:lnSpc>
+                <a:spcPct val="200000"/>
+              </a:lnSpc>
+              <a:buFont typeface="Arial" panose="020B0604020202020204" pitchFamily="34" charset="0"/>
+              <a:buChar char="•"/>
+            </a:pPr>
             <a:r>
               <a:rPr lang="en-US" sz="2800" dirty="0"/>
-              <a:t>the entropy of a random variable is the average level of "information", "surprise", or "uncertainty" inherent in the variable's possible outcomes. </a:t>
-            </a:r>
-          </a:p>
-        </p:txBody>
-      </p:sp>
-      <p:pic>
-        <p:nvPicPr>
-          <p:cNvPr id="11" name="Picture 10">
-            <a:extLst>
-              <a:ext uri="{FF2B5EF4-FFF2-40B4-BE49-F238E27FC236}">
-                <a16:creationId xmlns:a16="http://schemas.microsoft.com/office/drawing/2014/main" id="{DD3D9CF7-D1A3-4A37-8995-79D9F80FF17A}"/>
-              </a:ext>
-            </a:extLst>
-          </p:cNvPr>
-          <p:cNvPicPr>
-            <a:picLocks noChangeAspect="1"/>
-          </p:cNvPicPr>
-          <p:nvPr/>
-        </p:nvPicPr>
-        <p:blipFill>
-          <a:blip r:embed="rId2"/>
-          <a:stretch>
-            <a:fillRect/>
-          </a:stretch>
-        </p:blipFill>
-        <p:spPr>
-          <a:xfrm>
-            <a:off x="4262935" y="2771347"/>
-            <a:ext cx="3596173" cy="1113740"/>
-          </a:xfrm>
-          <a:prstGeom prst="rect">
-            <a:avLst/>
-          </a:prstGeom>
-        </p:spPr>
-      </p:pic>
-      <p:sp>
-        <p:nvSpPr>
-          <p:cNvPr id="12" name="TextBox 11">
-            <a:extLst>
-              <a:ext uri="{FF2B5EF4-FFF2-40B4-BE49-F238E27FC236}">
-                <a16:creationId xmlns:a16="http://schemas.microsoft.com/office/drawing/2014/main" id="{319CE568-1653-42ED-AC47-65DCF80DA0B5}"/>
-              </a:ext>
-            </a:extLst>
-          </p:cNvPr>
-          <p:cNvSpPr txBox="1"/>
-          <p:nvPr/>
-        </p:nvSpPr>
-        <p:spPr>
-          <a:xfrm>
-            <a:off x="579618" y="4211282"/>
-            <a:ext cx="10378191" cy="1815882"/>
-          </a:xfrm>
-          <a:prstGeom prst="rect">
-            <a:avLst/>
-          </a:prstGeom>
-          <a:noFill/>
-        </p:spPr>
-        <p:txBody>
-          <a:bodyPr wrap="square" rtlCol="0">
-            <a:spAutoFit/>
-          </a:bodyPr>
-          <a:lstStyle/>
-          <a:p>
-            <a:pPr algn="l"/>
-            <a:r>
-              <a:rPr lang="en-US" sz="2800" b="1" dirty="0"/>
-              <a:t>Elegantly captures amino acid diversity/variation</a:t>
-            </a:r>
-          </a:p>
-          <a:p>
-            <a:pPr algn="l"/>
-            <a:endParaRPr lang="en-US" sz="2800" b="1" dirty="0"/>
-          </a:p>
-          <a:p>
-            <a:pPr algn="l"/>
-            <a:r>
-              <a:rPr lang="en-US" sz="2800" b="1" dirty="0"/>
-              <a:t>All (A) = All (W) = All (L) = 1.0</a:t>
-            </a:r>
-          </a:p>
-          <a:p>
-            <a:pPr algn="l"/>
-            <a:r>
-              <a:rPr lang="en-US" sz="2800" b="1" dirty="0"/>
-              <a:t>equally distributed among 20 </a:t>
-            </a:r>
-            <a:r>
-              <a:rPr lang="en-US" sz="2800" b="1" dirty="0" err="1"/>
-              <a:t>aas</a:t>
-            </a:r>
-            <a:r>
-              <a:rPr lang="en-US" sz="2800" b="1" dirty="0"/>
-              <a:t> (pure random) = 0.0 </a:t>
-            </a:r>
-          </a:p>
-        </p:txBody>
-      </p:sp>
-      <p:sp>
-        <p:nvSpPr>
-          <p:cNvPr id="3" name="TextBox 2">
-            <a:extLst>
-              <a:ext uri="{FF2B5EF4-FFF2-40B4-BE49-F238E27FC236}">
-                <a16:creationId xmlns:a16="http://schemas.microsoft.com/office/drawing/2014/main" id="{99F02A6D-DAE7-45F5-8988-053080905F7C}"/>
-              </a:ext>
-            </a:extLst>
-          </p:cNvPr>
-          <p:cNvSpPr txBox="1"/>
-          <p:nvPr/>
-        </p:nvSpPr>
-        <p:spPr>
-          <a:xfrm>
-            <a:off x="5161615" y="6211669"/>
-            <a:ext cx="7030385" cy="646331"/>
-          </a:xfrm>
-          <a:prstGeom prst="rect">
-            <a:avLst/>
-          </a:prstGeom>
-          <a:noFill/>
-        </p:spPr>
-        <p:txBody>
-          <a:bodyPr wrap="square" rtlCol="0">
-            <a:spAutoFit/>
-          </a:bodyPr>
-          <a:lstStyle/>
-          <a:p>
-            <a:pPr algn="l"/>
-            <a:r>
-              <a:rPr lang="en-US" dirty="0">
-                <a:hlinkClick r:id="rId3"/>
-              </a:rPr>
-              <a:t>https://onlinelibrary.wiley.com/doi/10.1002/j.1538-7305.1948.tb01338.x</a:t>
-            </a:r>
-            <a:endParaRPr lang="en-US" dirty="0"/>
-          </a:p>
-          <a:p>
-            <a:r>
-              <a:rPr lang="en-US" dirty="0">
-                <a:hlinkClick r:id="rId4"/>
-              </a:rPr>
-              <a:t>https://doi.org/10.1002/prot.340090107</a:t>
-            </a:r>
-            <a:endParaRPr lang="en-US" dirty="0"/>
+              <a:t>Amino acid sequences of ~6000 genes among 1012 strains (1011 + S288C)</a:t>
+            </a:r>
+          </a:p>
+          <a:p>
+            <a:pPr marL="457200" indent="-457200" algn="l">
+              <a:lnSpc>
+                <a:spcPct val="200000"/>
+              </a:lnSpc>
+              <a:buFont typeface="Arial" panose="020B0604020202020204" pitchFamily="34" charset="0"/>
+              <a:buChar char="•"/>
+            </a:pPr>
+            <a:r>
+              <a:rPr lang="en-US" sz="2800" dirty="0"/>
+              <a:t>For each gene, amino acid sequences are aligned with </a:t>
+            </a:r>
+            <a:r>
+              <a:rPr lang="en-US" sz="2800" dirty="0" err="1"/>
+              <a:t>Clustal</a:t>
+            </a:r>
+            <a:r>
+              <a:rPr lang="en-US" sz="2800" dirty="0"/>
+              <a:t> Omega (insertion, deletion, mutation)</a:t>
+            </a:r>
+          </a:p>
+          <a:p>
+            <a:pPr marL="457200" indent="-457200" algn="l">
+              <a:lnSpc>
+                <a:spcPct val="200000"/>
+              </a:lnSpc>
+              <a:buFont typeface="Arial" panose="020B0604020202020204" pitchFamily="34" charset="0"/>
+              <a:buChar char="•"/>
+            </a:pPr>
+            <a:r>
+              <a:rPr lang="en-US" sz="2800" dirty="0"/>
+              <a:t>Phylogeny of 1012 strains is calculated based on the SNPs distance</a:t>
+            </a:r>
+          </a:p>
+          <a:p>
+            <a:pPr marL="457200" indent="-457200" algn="l">
+              <a:lnSpc>
+                <a:spcPct val="200000"/>
+              </a:lnSpc>
+              <a:buFont typeface="Arial" panose="020B0604020202020204" pitchFamily="34" charset="0"/>
+              <a:buChar char="•"/>
+            </a:pPr>
+            <a:r>
+              <a:rPr lang="en-US" sz="2800" dirty="0"/>
+              <a:t>Reference frequency and substitution matrix is BLOSUM62</a:t>
+            </a:r>
           </a:p>
         </p:txBody>
       </p:sp>
     </p:spTree>
     <p:extLst>
       <p:ext uri="{BB962C8B-B14F-4D97-AF65-F5344CB8AC3E}">
-        <p14:creationId xmlns:p14="http://schemas.microsoft.com/office/powerpoint/2010/main" val="3147784271"/>
+        <p14:creationId xmlns:p14="http://schemas.microsoft.com/office/powerpoint/2010/main" val="270169005"/>
       </p:ext>
     </p:extLst>
   </p:cSld>
@@ -7207,7 +7648,7 @@
           <p:cNvPr id="2" name="TextBox 1">
             <a:extLst>
               <a:ext uri="{FF2B5EF4-FFF2-40B4-BE49-F238E27FC236}">
-                <a16:creationId xmlns:a16="http://schemas.microsoft.com/office/drawing/2014/main" id="{DB421D53-E44A-456B-9B6E-E2650C70971C}"/>
+                <a16:creationId xmlns:a16="http://schemas.microsoft.com/office/drawing/2014/main" id="{8C058870-25BB-48B3-843A-547CE47BC327}"/>
               </a:ext>
             </a:extLst>
           </p:cNvPr>
@@ -7233,17 +7674,17 @@
             <a:pPr algn="l"/>
             <a:r>
               <a:rPr lang="en-US" sz="3600" dirty="0"/>
-              <a:t>Conservation Score – JSD</a:t>
-            </a:r>
-          </a:p>
-        </p:txBody>
-      </p:sp>
-      <p:sp>
-        <p:nvSpPr>
-          <p:cNvPr id="3" name="TextBox 2">
-            <a:extLst>
-              <a:ext uri="{FF2B5EF4-FFF2-40B4-BE49-F238E27FC236}">
-                <a16:creationId xmlns:a16="http://schemas.microsoft.com/office/drawing/2014/main" id="{A3896A3A-B473-4C58-851B-20BE61BCA0F5}"/>
+              <a:t>Conservation Score – Symbol Frequency</a:t>
+            </a:r>
+          </a:p>
+        </p:txBody>
+      </p:sp>
+      <p:sp>
+        <p:nvSpPr>
+          <p:cNvPr id="4" name="TextBox 3">
+            <a:extLst>
+              <a:ext uri="{FF2B5EF4-FFF2-40B4-BE49-F238E27FC236}">
+                <a16:creationId xmlns:a16="http://schemas.microsoft.com/office/drawing/2014/main" id="{F318CA4D-1A15-4CA9-8D66-6479CC34748D}"/>
               </a:ext>
             </a:extLst>
           </p:cNvPr>
@@ -7252,8 +7693,8 @@
         </p:nvSpPr>
         <p:spPr>
           <a:xfrm>
-            <a:off x="579619" y="1122476"/>
-            <a:ext cx="10962807" cy="954107"/>
+            <a:off x="662690" y="3167390"/>
+            <a:ext cx="10504983" cy="523220"/>
           </a:xfrm>
           <a:prstGeom prst="rect">
             <a:avLst/>
@@ -7268,139 +7709,16 @@
           <a:p>
             <a:pPr algn="l"/>
             <a:r>
-              <a:rPr lang="en-US" sz="2800" b="1" dirty="0"/>
-              <a:t>Jensen–Shannon divergence:</a:t>
-            </a:r>
-          </a:p>
-          <a:p>
-            <a:pPr algn="l"/>
-            <a:r>
               <a:rPr lang="en-US" sz="2800" dirty="0"/>
-              <a:t>measure the similarity between two probability distributions</a:t>
-            </a:r>
-          </a:p>
-        </p:txBody>
-      </p:sp>
-      <p:pic>
-        <p:nvPicPr>
-          <p:cNvPr id="5" name="Picture 4" descr="Text&#10;&#10;Description automatically generated with low confidence">
-            <a:extLst>
-              <a:ext uri="{FF2B5EF4-FFF2-40B4-BE49-F238E27FC236}">
-                <a16:creationId xmlns:a16="http://schemas.microsoft.com/office/drawing/2014/main" id="{3A8DA2A8-93C7-45D6-97CD-6850FDB8BDC4}"/>
-              </a:ext>
-            </a:extLst>
-          </p:cNvPr>
-          <p:cNvPicPr>
-            <a:picLocks noChangeAspect="1"/>
-          </p:cNvPicPr>
-          <p:nvPr/>
-        </p:nvPicPr>
-        <p:blipFill>
-          <a:blip r:embed="rId3"/>
-          <a:stretch>
-            <a:fillRect/>
-          </a:stretch>
-        </p:blipFill>
-        <p:spPr>
-          <a:xfrm>
-            <a:off x="3356038" y="2215147"/>
-            <a:ext cx="5632324" cy="1418211"/>
-          </a:xfrm>
-          <a:prstGeom prst="rect">
-            <a:avLst/>
-          </a:prstGeom>
-        </p:spPr>
-      </p:pic>
-      <p:sp>
-        <p:nvSpPr>
-          <p:cNvPr id="6" name="TextBox 5">
-            <a:extLst>
-              <a:ext uri="{FF2B5EF4-FFF2-40B4-BE49-F238E27FC236}">
-                <a16:creationId xmlns:a16="http://schemas.microsoft.com/office/drawing/2014/main" id="{E99FA76C-C434-4FE0-AE6C-BDB3E95A39BE}"/>
-              </a:ext>
-            </a:extLst>
-          </p:cNvPr>
-          <p:cNvSpPr txBox="1"/>
-          <p:nvPr/>
-        </p:nvSpPr>
-        <p:spPr>
-          <a:xfrm>
-            <a:off x="579619" y="3771922"/>
-            <a:ext cx="11367542" cy="1815882"/>
-          </a:xfrm>
-          <a:prstGeom prst="rect">
-            <a:avLst/>
-          </a:prstGeom>
-          <a:noFill/>
-        </p:spPr>
-        <p:txBody>
-          <a:bodyPr wrap="square" rtlCol="0">
-            <a:spAutoFit/>
-          </a:bodyPr>
-          <a:lstStyle/>
-          <a:p>
-            <a:pPr algn="l"/>
-            <a:r>
-              <a:rPr lang="en-US" sz="2800" dirty="0"/>
-              <a:t>use BLOSUM62 as background distribution </a:t>
-            </a:r>
-          </a:p>
-          <a:p>
-            <a:pPr algn="l"/>
-            <a:endParaRPr lang="en-US" sz="2800" b="1" dirty="0"/>
-          </a:p>
-          <a:p>
-            <a:pPr algn="l"/>
-            <a:r>
-              <a:rPr lang="en-US" sz="2800" b="1" dirty="0"/>
-              <a:t>quantify the similarity between (amino acids among the 1012 strains) and (the background BLOSUM62 distribution)</a:t>
-            </a:r>
-          </a:p>
-        </p:txBody>
-      </p:sp>
-      <p:sp>
-        <p:nvSpPr>
-          <p:cNvPr id="7" name="TextBox 6">
-            <a:extLst>
-              <a:ext uri="{FF2B5EF4-FFF2-40B4-BE49-F238E27FC236}">
-                <a16:creationId xmlns:a16="http://schemas.microsoft.com/office/drawing/2014/main" id="{AE83E6F4-890C-4B8D-9851-29F53399BA48}"/>
-              </a:ext>
-            </a:extLst>
-          </p:cNvPr>
-          <p:cNvSpPr txBox="1"/>
-          <p:nvPr/>
-        </p:nvSpPr>
-        <p:spPr>
-          <a:xfrm>
-            <a:off x="7410135" y="6211669"/>
-            <a:ext cx="4716903" cy="369332"/>
-          </a:xfrm>
-          <a:prstGeom prst="rect">
-            <a:avLst/>
-          </a:prstGeom>
-          <a:noFill/>
-        </p:spPr>
-        <p:txBody>
-          <a:bodyPr wrap="square" rtlCol="0">
-            <a:spAutoFit/>
-          </a:bodyPr>
-          <a:lstStyle/>
-          <a:p>
-            <a:pPr algn="l"/>
-            <a:r>
-              <a:rPr lang="en-US" dirty="0">
-                <a:hlinkClick r:id="rId4"/>
-              </a:rPr>
-              <a:t>https://doi.org/10.1093/bioinformatics/btm270</a:t>
-            </a:r>
-            <a:endParaRPr lang="en-US" dirty="0"/>
+              <a:t>The frequency of each amino acid among the 1012 strains.</a:t>
+            </a:r>
           </a:p>
         </p:txBody>
       </p:sp>
     </p:spTree>
     <p:extLst>
       <p:ext uri="{BB962C8B-B14F-4D97-AF65-F5344CB8AC3E}">
-        <p14:creationId xmlns:p14="http://schemas.microsoft.com/office/powerpoint/2010/main" val="1538604284"/>
+        <p14:creationId xmlns:p14="http://schemas.microsoft.com/office/powerpoint/2010/main" val="1675079857"/>
       </p:ext>
     </p:extLst>
   </p:cSld>
@@ -7432,7 +7750,7 @@
           <p:cNvPr id="2" name="TextBox 1">
             <a:extLst>
               <a:ext uri="{FF2B5EF4-FFF2-40B4-BE49-F238E27FC236}">
-                <a16:creationId xmlns:a16="http://schemas.microsoft.com/office/drawing/2014/main" id="{DB421D53-E44A-456B-9B6E-E2650C70971C}"/>
+                <a16:creationId xmlns:a16="http://schemas.microsoft.com/office/drawing/2014/main" id="{8C058870-25BB-48B3-843A-547CE47BC327}"/>
               </a:ext>
             </a:extLst>
           </p:cNvPr>
@@ -7441,7 +7759,7 @@
         </p:nvSpPr>
         <p:spPr>
           <a:xfrm>
-            <a:off x="329782" y="419725"/>
+            <a:off x="329782" y="254835"/>
             <a:ext cx="8064709" cy="646331"/>
           </a:xfrm>
           <a:prstGeom prst="rect">
@@ -7458,17 +7776,17 @@
             <a:pPr algn="l"/>
             <a:r>
               <a:rPr lang="en-US" sz="3600" dirty="0"/>
-              <a:t>Conservation Score – JSD</a:t>
-            </a:r>
-          </a:p>
-        </p:txBody>
-      </p:sp>
-      <p:sp>
-        <p:nvSpPr>
-          <p:cNvPr id="3" name="TextBox 2">
-            <a:extLst>
-              <a:ext uri="{FF2B5EF4-FFF2-40B4-BE49-F238E27FC236}">
-                <a16:creationId xmlns:a16="http://schemas.microsoft.com/office/drawing/2014/main" id="{A3896A3A-B473-4C58-851B-20BE61BCA0F5}"/>
+              <a:t>Conservation Score – Entropy</a:t>
+            </a:r>
+          </a:p>
+        </p:txBody>
+      </p:sp>
+      <p:sp>
+        <p:nvSpPr>
+          <p:cNvPr id="4" name="TextBox 3">
+            <a:extLst>
+              <a:ext uri="{FF2B5EF4-FFF2-40B4-BE49-F238E27FC236}">
+                <a16:creationId xmlns:a16="http://schemas.microsoft.com/office/drawing/2014/main" id="{F318CA4D-1A15-4CA9-8D66-6479CC34748D}"/>
               </a:ext>
             </a:extLst>
           </p:cNvPr>
@@ -7477,8 +7795,8 @@
         </p:nvSpPr>
         <p:spPr>
           <a:xfrm>
-            <a:off x="579619" y="1122476"/>
-            <a:ext cx="10962807" cy="523220"/>
+            <a:off x="579619" y="1093167"/>
+            <a:ext cx="10962807" cy="1384995"/>
           </a:xfrm>
           <a:prstGeom prst="rect">
             <a:avLst/>
@@ -7494,17 +7812,54 @@
             <a:pPr algn="l"/>
             <a:r>
               <a:rPr lang="en-US" sz="2800" b="1" dirty="0"/>
-              <a:t>Jensen–Shannon divergence:</a:t>
-            </a:r>
-          </a:p>
-        </p:txBody>
-      </p:sp>
-      <p:sp>
-        <p:nvSpPr>
-          <p:cNvPr id="6" name="TextBox 5">
-            <a:extLst>
-              <a:ext uri="{FF2B5EF4-FFF2-40B4-BE49-F238E27FC236}">
-                <a16:creationId xmlns:a16="http://schemas.microsoft.com/office/drawing/2014/main" id="{12FEDAA0-D166-4AF6-8B19-10F5BFCDB117}"/>
+              <a:t>Shannon Entropy:</a:t>
+            </a:r>
+          </a:p>
+          <a:p>
+            <a:pPr algn="l"/>
+            <a:r>
+              <a:rPr lang="en-US" sz="2800" dirty="0"/>
+              <a:t>the entropy of a random variable is the average level of "information", "surprise", or "uncertainty" inherent in the variable's possible outcomes. </a:t>
+            </a:r>
+          </a:p>
+        </p:txBody>
+      </p:sp>
+      <p:pic>
+        <p:nvPicPr>
+          <p:cNvPr id="11" name="Picture 10">
+            <a:extLst>
+              <a:ext uri="{FF2B5EF4-FFF2-40B4-BE49-F238E27FC236}">
+                <a16:creationId xmlns:a16="http://schemas.microsoft.com/office/drawing/2014/main" id="{DD3D9CF7-D1A3-4A37-8995-79D9F80FF17A}"/>
+              </a:ext>
+            </a:extLst>
+          </p:cNvPr>
+          <p:cNvPicPr>
+            <a:picLocks noChangeAspect="1"/>
+          </p:cNvPicPr>
+          <p:nvPr/>
+        </p:nvPicPr>
+        <p:blipFill>
+          <a:blip r:embed="rId2"/>
+          <a:stretch>
+            <a:fillRect/>
+          </a:stretch>
+        </p:blipFill>
+        <p:spPr>
+          <a:xfrm>
+            <a:off x="4262935" y="2771347"/>
+            <a:ext cx="3596173" cy="1113740"/>
+          </a:xfrm>
+          <a:prstGeom prst="rect">
+            <a:avLst/>
+          </a:prstGeom>
+        </p:spPr>
+      </p:pic>
+      <p:sp>
+        <p:nvSpPr>
+          <p:cNvPr id="12" name="TextBox 11">
+            <a:extLst>
+              <a:ext uri="{FF2B5EF4-FFF2-40B4-BE49-F238E27FC236}">
+                <a16:creationId xmlns:a16="http://schemas.microsoft.com/office/drawing/2014/main" id="{319CE568-1653-42ED-AC47-65DCF80DA0B5}"/>
               </a:ext>
             </a:extLst>
           </p:cNvPr>
@@ -7513,8 +7868,8 @@
         </p:nvSpPr>
         <p:spPr>
           <a:xfrm>
-            <a:off x="579619" y="2196094"/>
-            <a:ext cx="11232630" cy="3108543"/>
+            <a:off x="579618" y="4211282"/>
+            <a:ext cx="10378191" cy="1815882"/>
           </a:xfrm>
           <a:prstGeom prst="rect">
             <a:avLst/>
@@ -7530,7 +7885,7 @@
             <a:pPr algn="l"/>
             <a:r>
               <a:rPr lang="en-US" sz="2800" b="1" dirty="0"/>
-              <a:t>capture diversity with biology information integrated</a:t>
+              <a:t>Elegantly captures amino acid diversity/variation</a:t>
             </a:r>
           </a:p>
           <a:p>
@@ -7540,80 +7895,79 @@
           <a:p>
             <a:pPr algn="l"/>
             <a:r>
-              <a:rPr lang="en-US" sz="2800" dirty="0"/>
-              <a:t>fully conserved </a:t>
-            </a:r>
-            <a:r>
               <a:rPr lang="en-US" sz="2800" b="1" dirty="0"/>
-              <a:t>rare</a:t>
-            </a:r>
-            <a:r>
-              <a:rPr lang="en-US" sz="2800" dirty="0"/>
-              <a:t> </a:t>
-            </a:r>
-            <a:r>
-              <a:rPr lang="en-US" sz="2800" dirty="0" err="1"/>
+              <a:t>All (A) = All (W) = All (L) = 1.0</a:t>
+            </a:r>
+          </a:p>
+          <a:p>
+            <a:pPr algn="l"/>
+            <a:r>
+              <a:rPr lang="en-US" sz="2800" b="1" dirty="0"/>
+              <a:t>equally distributed among 20 </a:t>
+            </a:r>
+            <a:r>
+              <a:rPr lang="en-US" sz="2800" b="1" dirty="0" err="1"/>
               <a:t>aas</a:t>
             </a:r>
             <a:r>
-              <a:rPr lang="en-US" sz="2800" dirty="0"/>
-              <a:t> score </a:t>
-            </a:r>
-            <a:r>
-              <a:rPr lang="en-US" sz="2800" b="1" u="sng" dirty="0"/>
-              <a:t>higher</a:t>
-            </a:r>
-            <a:r>
-              <a:rPr lang="en-US" sz="2800" dirty="0"/>
-              <a:t> than that of </a:t>
-            </a:r>
-            <a:r>
               <a:rPr lang="en-US" sz="2800" b="1" dirty="0"/>
-              <a:t>common</a:t>
-            </a:r>
-            <a:r>
-              <a:rPr lang="en-US" sz="2800" dirty="0"/>
-              <a:t> </a:t>
-            </a:r>
-            <a:r>
-              <a:rPr lang="en-US" sz="2800" dirty="0" err="1"/>
-              <a:t>aas</a:t>
-            </a:r>
-            <a:r>
-              <a:rPr lang="en-US" sz="2800" b="1" dirty="0"/>
-              <a:t>:</a:t>
-            </a:r>
-          </a:p>
+              <a:t> (pure random) = 0.0 </a:t>
+            </a:r>
+          </a:p>
+        </p:txBody>
+      </p:sp>
+      <p:sp>
+        <p:nvSpPr>
+          <p:cNvPr id="3" name="TextBox 2">
+            <a:extLst>
+              <a:ext uri="{FF2B5EF4-FFF2-40B4-BE49-F238E27FC236}">
+                <a16:creationId xmlns:a16="http://schemas.microsoft.com/office/drawing/2014/main" id="{99F02A6D-DAE7-45F5-8988-053080905F7C}"/>
+              </a:ext>
+            </a:extLst>
+          </p:cNvPr>
+          <p:cNvSpPr txBox="1"/>
+          <p:nvPr/>
+        </p:nvSpPr>
+        <p:spPr>
+          <a:xfrm>
+            <a:off x="5161615" y="6211669"/>
+            <a:ext cx="7030385" cy="646331"/>
+          </a:xfrm>
+          <a:prstGeom prst="rect">
+            <a:avLst/>
+          </a:prstGeom>
+          <a:noFill/>
+        </p:spPr>
+        <p:txBody>
+          <a:bodyPr wrap="square" rtlCol="0">
+            <a:spAutoFit/>
+          </a:bodyPr>
+          <a:lstStyle/>
           <a:p>
             <a:pPr algn="l"/>
             <a:r>
-              <a:rPr lang="en-US" sz="2800" b="1" dirty="0"/>
-              <a:t>1&gt;All (W) &gt; All (A) &gt; All (L)</a:t>
-            </a:r>
-          </a:p>
-          <a:p>
-            <a:pPr algn="l"/>
-            <a:endParaRPr lang="en-US" sz="2800" b="1" dirty="0"/>
-          </a:p>
-          <a:p>
-            <a:r>
-              <a:rPr lang="en-US" sz="2800" b="1" dirty="0"/>
-              <a:t>pure random &gt; 0.0</a:t>
-            </a:r>
-          </a:p>
-          <a:p>
-            <a:pPr algn="l"/>
-            <a:r>
-              <a:rPr lang="en-US" sz="2800" b="1" dirty="0"/>
-              <a:t>BLOSUM62 background distribution = 0.0</a:t>
-            </a:r>
+              <a:rPr lang="en-US" dirty="0">
+                <a:hlinkClick r:id="rId3"/>
+              </a:rPr>
+              <a:t>https://onlinelibrary.wiley.com/doi/10.1002/j.1538-7305.1948.tb01338.x</a:t>
+            </a:r>
+            <a:endParaRPr lang="en-US" dirty="0"/>
+          </a:p>
+          <a:p>
+            <a:r>
+              <a:rPr lang="en-US" dirty="0">
+                <a:hlinkClick r:id="rId4"/>
+              </a:rPr>
+              <a:t>https://doi.org/10.1002/prot.340090107</a:t>
+            </a:r>
+            <a:endParaRPr lang="en-US" dirty="0"/>
           </a:p>
         </p:txBody>
       </p:sp>
     </p:spTree>
     <p:extLst>
       <p:ext uri="{BB962C8B-B14F-4D97-AF65-F5344CB8AC3E}">
-        <p14:creationId xmlns:p14="http://schemas.microsoft.com/office/powerpoint/2010/main" val="1370230915"/>
+        <p14:creationId xmlns:p14="http://schemas.microsoft.com/office/powerpoint/2010/main" val="3147784271"/>
       </p:ext>
     </p:extLst>
   </p:cSld>
